--- a/osi-and-tcp.pptx
+++ b/osi-and-tcp.pptx
@@ -129,7 +129,7 @@
           <p:cNvPr id="2" name="제목 1">
             <a:extLst>
               <a:ext uri="{FF2B5EF4-FFF2-40B4-BE49-F238E27FC236}">
-                <a16:creationId xmlns:a16="http://schemas.microsoft.com/office/drawing/2014/main" id="{97E188FF-4A18-4A1F-9C5F-625DA52E057E}"/>
+                <a16:creationId xmlns:a16="http://schemas.microsoft.com/office/drawing/2014/main" xmlns="" id="{97E188FF-4A18-4A1F-9C5F-625DA52E057E}"/>
               </a:ext>
             </a:extLst>
           </p:cNvPr>
@@ -166,7 +166,7 @@
           <p:cNvPr id="3" name="부제목 2">
             <a:extLst>
               <a:ext uri="{FF2B5EF4-FFF2-40B4-BE49-F238E27FC236}">
-                <a16:creationId xmlns:a16="http://schemas.microsoft.com/office/drawing/2014/main" id="{D3526CA9-AC9F-4F6F-A3C9-1BEC7EAB9D3E}"/>
+                <a16:creationId xmlns:a16="http://schemas.microsoft.com/office/drawing/2014/main" xmlns="" id="{D3526CA9-AC9F-4F6F-A3C9-1BEC7EAB9D3E}"/>
               </a:ext>
             </a:extLst>
           </p:cNvPr>
@@ -236,7 +236,7 @@
           <p:cNvPr id="4" name="날짜 개체 틀 3">
             <a:extLst>
               <a:ext uri="{FF2B5EF4-FFF2-40B4-BE49-F238E27FC236}">
-                <a16:creationId xmlns:a16="http://schemas.microsoft.com/office/drawing/2014/main" id="{1CE7A3F1-C496-4759-871B-7915D13DF164}"/>
+                <a16:creationId xmlns:a16="http://schemas.microsoft.com/office/drawing/2014/main" xmlns="" id="{1CE7A3F1-C496-4759-871B-7915D13DF164}"/>
               </a:ext>
             </a:extLst>
           </p:cNvPr>
@@ -254,7 +254,7 @@
           <a:p>
             <a:fld id="{75489DF8-2009-40AB-A10C-0DFBA011A927}" type="datetimeFigureOut">
               <a:rPr lang="ko-KR" altLang="en-US" smtClean="0"/>
-              <a:t>2020-07-12</a:t>
+              <a:t>2020-07-14</a:t>
             </a:fld>
             <a:endParaRPr lang="ko-KR" altLang="en-US"/>
           </a:p>
@@ -265,7 +265,7 @@
           <p:cNvPr id="5" name="바닥글 개체 틀 4">
             <a:extLst>
               <a:ext uri="{FF2B5EF4-FFF2-40B4-BE49-F238E27FC236}">
-                <a16:creationId xmlns:a16="http://schemas.microsoft.com/office/drawing/2014/main" id="{F407946F-379D-4CB9-8902-00F553E668CE}"/>
+                <a16:creationId xmlns:a16="http://schemas.microsoft.com/office/drawing/2014/main" xmlns="" id="{F407946F-379D-4CB9-8902-00F553E668CE}"/>
               </a:ext>
             </a:extLst>
           </p:cNvPr>
@@ -290,7 +290,7 @@
           <p:cNvPr id="6" name="슬라이드 번호 개체 틀 5">
             <a:extLst>
               <a:ext uri="{FF2B5EF4-FFF2-40B4-BE49-F238E27FC236}">
-                <a16:creationId xmlns:a16="http://schemas.microsoft.com/office/drawing/2014/main" id="{2AE154E5-EB88-47B1-AEBF-2DBDF9A2406E}"/>
+                <a16:creationId xmlns:a16="http://schemas.microsoft.com/office/drawing/2014/main" xmlns="" id="{2AE154E5-EB88-47B1-AEBF-2DBDF9A2406E}"/>
               </a:ext>
             </a:extLst>
           </p:cNvPr>
@@ -349,7 +349,7 @@
           <p:cNvPr id="2" name="제목 1">
             <a:extLst>
               <a:ext uri="{FF2B5EF4-FFF2-40B4-BE49-F238E27FC236}">
-                <a16:creationId xmlns:a16="http://schemas.microsoft.com/office/drawing/2014/main" id="{DA5999FB-D89E-4307-BE84-7294B4AC6C5F}"/>
+                <a16:creationId xmlns:a16="http://schemas.microsoft.com/office/drawing/2014/main" xmlns="" id="{DA5999FB-D89E-4307-BE84-7294B4AC6C5F}"/>
               </a:ext>
             </a:extLst>
           </p:cNvPr>
@@ -377,7 +377,7 @@
           <p:cNvPr id="3" name="세로 텍스트 개체 틀 2">
             <a:extLst>
               <a:ext uri="{FF2B5EF4-FFF2-40B4-BE49-F238E27FC236}">
-                <a16:creationId xmlns:a16="http://schemas.microsoft.com/office/drawing/2014/main" id="{E8C4B804-909F-47EE-814A-E6C1B5BC6468}"/>
+                <a16:creationId xmlns:a16="http://schemas.microsoft.com/office/drawing/2014/main" xmlns="" id="{E8C4B804-909F-47EE-814A-E6C1B5BC6468}"/>
               </a:ext>
             </a:extLst>
           </p:cNvPr>
@@ -434,7 +434,7 @@
           <p:cNvPr id="4" name="날짜 개체 틀 3">
             <a:extLst>
               <a:ext uri="{FF2B5EF4-FFF2-40B4-BE49-F238E27FC236}">
-                <a16:creationId xmlns:a16="http://schemas.microsoft.com/office/drawing/2014/main" id="{D29FED3A-154A-4143-A117-8BA98489581A}"/>
+                <a16:creationId xmlns:a16="http://schemas.microsoft.com/office/drawing/2014/main" xmlns="" id="{D29FED3A-154A-4143-A117-8BA98489581A}"/>
               </a:ext>
             </a:extLst>
           </p:cNvPr>
@@ -452,7 +452,7 @@
           <a:p>
             <a:fld id="{75489DF8-2009-40AB-A10C-0DFBA011A927}" type="datetimeFigureOut">
               <a:rPr lang="ko-KR" altLang="en-US" smtClean="0"/>
-              <a:t>2020-07-12</a:t>
+              <a:t>2020-07-14</a:t>
             </a:fld>
             <a:endParaRPr lang="ko-KR" altLang="en-US"/>
           </a:p>
@@ -463,7 +463,7 @@
           <p:cNvPr id="5" name="바닥글 개체 틀 4">
             <a:extLst>
               <a:ext uri="{FF2B5EF4-FFF2-40B4-BE49-F238E27FC236}">
-                <a16:creationId xmlns:a16="http://schemas.microsoft.com/office/drawing/2014/main" id="{B3467791-D8E9-4371-A854-32ADD781A26D}"/>
+                <a16:creationId xmlns:a16="http://schemas.microsoft.com/office/drawing/2014/main" xmlns="" id="{B3467791-D8E9-4371-A854-32ADD781A26D}"/>
               </a:ext>
             </a:extLst>
           </p:cNvPr>
@@ -488,7 +488,7 @@
           <p:cNvPr id="6" name="슬라이드 번호 개체 틀 5">
             <a:extLst>
               <a:ext uri="{FF2B5EF4-FFF2-40B4-BE49-F238E27FC236}">
-                <a16:creationId xmlns:a16="http://schemas.microsoft.com/office/drawing/2014/main" id="{BFA1F60C-9989-4B54-8FA2-D3671FE84E5D}"/>
+                <a16:creationId xmlns:a16="http://schemas.microsoft.com/office/drawing/2014/main" xmlns="" id="{BFA1F60C-9989-4B54-8FA2-D3671FE84E5D}"/>
               </a:ext>
             </a:extLst>
           </p:cNvPr>
@@ -547,7 +547,7 @@
           <p:cNvPr id="2" name="세로 제목 1">
             <a:extLst>
               <a:ext uri="{FF2B5EF4-FFF2-40B4-BE49-F238E27FC236}">
-                <a16:creationId xmlns:a16="http://schemas.microsoft.com/office/drawing/2014/main" id="{C1DCFD5B-9F62-4C12-A2FE-4F466039B4A4}"/>
+                <a16:creationId xmlns:a16="http://schemas.microsoft.com/office/drawing/2014/main" xmlns="" id="{C1DCFD5B-9F62-4C12-A2FE-4F466039B4A4}"/>
               </a:ext>
             </a:extLst>
           </p:cNvPr>
@@ -580,7 +580,7 @@
           <p:cNvPr id="3" name="세로 텍스트 개체 틀 2">
             <a:extLst>
               <a:ext uri="{FF2B5EF4-FFF2-40B4-BE49-F238E27FC236}">
-                <a16:creationId xmlns:a16="http://schemas.microsoft.com/office/drawing/2014/main" id="{070B2557-EF2B-41B8-AAD0-B4FBE97BA10F}"/>
+                <a16:creationId xmlns:a16="http://schemas.microsoft.com/office/drawing/2014/main" xmlns="" id="{070B2557-EF2B-41B8-AAD0-B4FBE97BA10F}"/>
               </a:ext>
             </a:extLst>
           </p:cNvPr>
@@ -642,7 +642,7 @@
           <p:cNvPr id="4" name="날짜 개체 틀 3">
             <a:extLst>
               <a:ext uri="{FF2B5EF4-FFF2-40B4-BE49-F238E27FC236}">
-                <a16:creationId xmlns:a16="http://schemas.microsoft.com/office/drawing/2014/main" id="{00129B43-68DA-48D9-8888-92FE6CDB7305}"/>
+                <a16:creationId xmlns:a16="http://schemas.microsoft.com/office/drawing/2014/main" xmlns="" id="{00129B43-68DA-48D9-8888-92FE6CDB7305}"/>
               </a:ext>
             </a:extLst>
           </p:cNvPr>
@@ -660,7 +660,7 @@
           <a:p>
             <a:fld id="{75489DF8-2009-40AB-A10C-0DFBA011A927}" type="datetimeFigureOut">
               <a:rPr lang="ko-KR" altLang="en-US" smtClean="0"/>
-              <a:t>2020-07-12</a:t>
+              <a:t>2020-07-14</a:t>
             </a:fld>
             <a:endParaRPr lang="ko-KR" altLang="en-US"/>
           </a:p>
@@ -671,7 +671,7 @@
           <p:cNvPr id="5" name="바닥글 개체 틀 4">
             <a:extLst>
               <a:ext uri="{FF2B5EF4-FFF2-40B4-BE49-F238E27FC236}">
-                <a16:creationId xmlns:a16="http://schemas.microsoft.com/office/drawing/2014/main" id="{F3429092-4805-424E-B0C7-638CF8088BD6}"/>
+                <a16:creationId xmlns:a16="http://schemas.microsoft.com/office/drawing/2014/main" xmlns="" id="{F3429092-4805-424E-B0C7-638CF8088BD6}"/>
               </a:ext>
             </a:extLst>
           </p:cNvPr>
@@ -696,7 +696,7 @@
           <p:cNvPr id="6" name="슬라이드 번호 개체 틀 5">
             <a:extLst>
               <a:ext uri="{FF2B5EF4-FFF2-40B4-BE49-F238E27FC236}">
-                <a16:creationId xmlns:a16="http://schemas.microsoft.com/office/drawing/2014/main" id="{9C997106-2259-4B93-B15E-0EE6CCA0D5B1}"/>
+                <a16:creationId xmlns:a16="http://schemas.microsoft.com/office/drawing/2014/main" xmlns="" id="{9C997106-2259-4B93-B15E-0EE6CCA0D5B1}"/>
               </a:ext>
             </a:extLst>
           </p:cNvPr>
@@ -755,7 +755,7 @@
           <p:cNvPr id="2" name="제목 1">
             <a:extLst>
               <a:ext uri="{FF2B5EF4-FFF2-40B4-BE49-F238E27FC236}">
-                <a16:creationId xmlns:a16="http://schemas.microsoft.com/office/drawing/2014/main" id="{0BFD7E67-A06B-4C5B-9AE7-64F7EF7BA9AA}"/>
+                <a16:creationId xmlns:a16="http://schemas.microsoft.com/office/drawing/2014/main" xmlns="" id="{0BFD7E67-A06B-4C5B-9AE7-64F7EF7BA9AA}"/>
               </a:ext>
             </a:extLst>
           </p:cNvPr>
@@ -783,7 +783,7 @@
           <p:cNvPr id="3" name="내용 개체 틀 2">
             <a:extLst>
               <a:ext uri="{FF2B5EF4-FFF2-40B4-BE49-F238E27FC236}">
-                <a16:creationId xmlns:a16="http://schemas.microsoft.com/office/drawing/2014/main" id="{1227F721-640F-4F53-AA01-441E964B66DB}"/>
+                <a16:creationId xmlns:a16="http://schemas.microsoft.com/office/drawing/2014/main" xmlns="" id="{1227F721-640F-4F53-AA01-441E964B66DB}"/>
               </a:ext>
             </a:extLst>
           </p:cNvPr>
@@ -840,7 +840,7 @@
           <p:cNvPr id="4" name="날짜 개체 틀 3">
             <a:extLst>
               <a:ext uri="{FF2B5EF4-FFF2-40B4-BE49-F238E27FC236}">
-                <a16:creationId xmlns:a16="http://schemas.microsoft.com/office/drawing/2014/main" id="{881B8056-D8CF-436A-9AED-D9411C7E2A64}"/>
+                <a16:creationId xmlns:a16="http://schemas.microsoft.com/office/drawing/2014/main" xmlns="" id="{881B8056-D8CF-436A-9AED-D9411C7E2A64}"/>
               </a:ext>
             </a:extLst>
           </p:cNvPr>
@@ -858,7 +858,7 @@
           <a:p>
             <a:fld id="{75489DF8-2009-40AB-A10C-0DFBA011A927}" type="datetimeFigureOut">
               <a:rPr lang="ko-KR" altLang="en-US" smtClean="0"/>
-              <a:t>2020-07-12</a:t>
+              <a:t>2020-07-14</a:t>
             </a:fld>
             <a:endParaRPr lang="ko-KR" altLang="en-US"/>
           </a:p>
@@ -869,7 +869,7 @@
           <p:cNvPr id="5" name="바닥글 개체 틀 4">
             <a:extLst>
               <a:ext uri="{FF2B5EF4-FFF2-40B4-BE49-F238E27FC236}">
-                <a16:creationId xmlns:a16="http://schemas.microsoft.com/office/drawing/2014/main" id="{E2C2964E-6767-418F-9F54-75B33B04E431}"/>
+                <a16:creationId xmlns:a16="http://schemas.microsoft.com/office/drawing/2014/main" xmlns="" id="{E2C2964E-6767-418F-9F54-75B33B04E431}"/>
               </a:ext>
             </a:extLst>
           </p:cNvPr>
@@ -894,7 +894,7 @@
           <p:cNvPr id="6" name="슬라이드 번호 개체 틀 5">
             <a:extLst>
               <a:ext uri="{FF2B5EF4-FFF2-40B4-BE49-F238E27FC236}">
-                <a16:creationId xmlns:a16="http://schemas.microsoft.com/office/drawing/2014/main" id="{4EDF4F66-ED5C-4730-9201-9761D783CF56}"/>
+                <a16:creationId xmlns:a16="http://schemas.microsoft.com/office/drawing/2014/main" xmlns="" id="{4EDF4F66-ED5C-4730-9201-9761D783CF56}"/>
               </a:ext>
             </a:extLst>
           </p:cNvPr>
@@ -953,7 +953,7 @@
           <p:cNvPr id="2" name="제목 1">
             <a:extLst>
               <a:ext uri="{FF2B5EF4-FFF2-40B4-BE49-F238E27FC236}">
-                <a16:creationId xmlns:a16="http://schemas.microsoft.com/office/drawing/2014/main" id="{B09C9724-026C-442A-AF90-07CEBC316F3F}"/>
+                <a16:creationId xmlns:a16="http://schemas.microsoft.com/office/drawing/2014/main" xmlns="" id="{B09C9724-026C-442A-AF90-07CEBC316F3F}"/>
               </a:ext>
             </a:extLst>
           </p:cNvPr>
@@ -990,7 +990,7 @@
           <p:cNvPr id="3" name="텍스트 개체 틀 2">
             <a:extLst>
               <a:ext uri="{FF2B5EF4-FFF2-40B4-BE49-F238E27FC236}">
-                <a16:creationId xmlns:a16="http://schemas.microsoft.com/office/drawing/2014/main" id="{9DABE6E5-89AD-4A8C-AAED-71579779A9D9}"/>
+                <a16:creationId xmlns:a16="http://schemas.microsoft.com/office/drawing/2014/main" xmlns="" id="{9DABE6E5-89AD-4A8C-AAED-71579779A9D9}"/>
               </a:ext>
             </a:extLst>
           </p:cNvPr>
@@ -1115,7 +1115,7 @@
           <p:cNvPr id="4" name="날짜 개체 틀 3">
             <a:extLst>
               <a:ext uri="{FF2B5EF4-FFF2-40B4-BE49-F238E27FC236}">
-                <a16:creationId xmlns:a16="http://schemas.microsoft.com/office/drawing/2014/main" id="{E73206F7-EE9D-4A80-A63C-B76A50D1581C}"/>
+                <a16:creationId xmlns:a16="http://schemas.microsoft.com/office/drawing/2014/main" xmlns="" id="{E73206F7-EE9D-4A80-A63C-B76A50D1581C}"/>
               </a:ext>
             </a:extLst>
           </p:cNvPr>
@@ -1133,7 +1133,7 @@
           <a:p>
             <a:fld id="{75489DF8-2009-40AB-A10C-0DFBA011A927}" type="datetimeFigureOut">
               <a:rPr lang="ko-KR" altLang="en-US" smtClean="0"/>
-              <a:t>2020-07-12</a:t>
+              <a:t>2020-07-14</a:t>
             </a:fld>
             <a:endParaRPr lang="ko-KR" altLang="en-US"/>
           </a:p>
@@ -1144,7 +1144,7 @@
           <p:cNvPr id="5" name="바닥글 개체 틀 4">
             <a:extLst>
               <a:ext uri="{FF2B5EF4-FFF2-40B4-BE49-F238E27FC236}">
-                <a16:creationId xmlns:a16="http://schemas.microsoft.com/office/drawing/2014/main" id="{A931FA74-C80E-4A89-B68B-332D2DF67AF2}"/>
+                <a16:creationId xmlns:a16="http://schemas.microsoft.com/office/drawing/2014/main" xmlns="" id="{A931FA74-C80E-4A89-B68B-332D2DF67AF2}"/>
               </a:ext>
             </a:extLst>
           </p:cNvPr>
@@ -1169,7 +1169,7 @@
           <p:cNvPr id="6" name="슬라이드 번호 개체 틀 5">
             <a:extLst>
               <a:ext uri="{FF2B5EF4-FFF2-40B4-BE49-F238E27FC236}">
-                <a16:creationId xmlns:a16="http://schemas.microsoft.com/office/drawing/2014/main" id="{E4E72758-E566-4311-8D8A-C06D6614F521}"/>
+                <a16:creationId xmlns:a16="http://schemas.microsoft.com/office/drawing/2014/main" xmlns="" id="{E4E72758-E566-4311-8D8A-C06D6614F521}"/>
               </a:ext>
             </a:extLst>
           </p:cNvPr>
@@ -1228,7 +1228,7 @@
           <p:cNvPr id="2" name="제목 1">
             <a:extLst>
               <a:ext uri="{FF2B5EF4-FFF2-40B4-BE49-F238E27FC236}">
-                <a16:creationId xmlns:a16="http://schemas.microsoft.com/office/drawing/2014/main" id="{5FCC2F9D-1D8F-47D9-85C3-C98C28012EC3}"/>
+                <a16:creationId xmlns:a16="http://schemas.microsoft.com/office/drawing/2014/main" xmlns="" id="{5FCC2F9D-1D8F-47D9-85C3-C98C28012EC3}"/>
               </a:ext>
             </a:extLst>
           </p:cNvPr>
@@ -1256,7 +1256,7 @@
           <p:cNvPr id="3" name="내용 개체 틀 2">
             <a:extLst>
               <a:ext uri="{FF2B5EF4-FFF2-40B4-BE49-F238E27FC236}">
-                <a16:creationId xmlns:a16="http://schemas.microsoft.com/office/drawing/2014/main" id="{5BA0AE39-7455-4936-A198-B3FAF2B4090B}"/>
+                <a16:creationId xmlns:a16="http://schemas.microsoft.com/office/drawing/2014/main" xmlns="" id="{5BA0AE39-7455-4936-A198-B3FAF2B4090B}"/>
               </a:ext>
             </a:extLst>
           </p:cNvPr>
@@ -1318,7 +1318,7 @@
           <p:cNvPr id="4" name="내용 개체 틀 3">
             <a:extLst>
               <a:ext uri="{FF2B5EF4-FFF2-40B4-BE49-F238E27FC236}">
-                <a16:creationId xmlns:a16="http://schemas.microsoft.com/office/drawing/2014/main" id="{C743016B-D341-45A6-8E86-57011846358F}"/>
+                <a16:creationId xmlns:a16="http://schemas.microsoft.com/office/drawing/2014/main" xmlns="" id="{C743016B-D341-45A6-8E86-57011846358F}"/>
               </a:ext>
             </a:extLst>
           </p:cNvPr>
@@ -1380,7 +1380,7 @@
           <p:cNvPr id="5" name="날짜 개체 틀 4">
             <a:extLst>
               <a:ext uri="{FF2B5EF4-FFF2-40B4-BE49-F238E27FC236}">
-                <a16:creationId xmlns:a16="http://schemas.microsoft.com/office/drawing/2014/main" id="{5CC0F513-A4E1-4D4E-B66A-9ACC9F97518D}"/>
+                <a16:creationId xmlns:a16="http://schemas.microsoft.com/office/drawing/2014/main" xmlns="" id="{5CC0F513-A4E1-4D4E-B66A-9ACC9F97518D}"/>
               </a:ext>
             </a:extLst>
           </p:cNvPr>
@@ -1398,7 +1398,7 @@
           <a:p>
             <a:fld id="{75489DF8-2009-40AB-A10C-0DFBA011A927}" type="datetimeFigureOut">
               <a:rPr lang="ko-KR" altLang="en-US" smtClean="0"/>
-              <a:t>2020-07-12</a:t>
+              <a:t>2020-07-14</a:t>
             </a:fld>
             <a:endParaRPr lang="ko-KR" altLang="en-US"/>
           </a:p>
@@ -1409,7 +1409,7 @@
           <p:cNvPr id="6" name="바닥글 개체 틀 5">
             <a:extLst>
               <a:ext uri="{FF2B5EF4-FFF2-40B4-BE49-F238E27FC236}">
-                <a16:creationId xmlns:a16="http://schemas.microsoft.com/office/drawing/2014/main" id="{C34A0591-9A7C-4EE8-A4EA-FD45524A09B2}"/>
+                <a16:creationId xmlns:a16="http://schemas.microsoft.com/office/drawing/2014/main" xmlns="" id="{C34A0591-9A7C-4EE8-A4EA-FD45524A09B2}"/>
               </a:ext>
             </a:extLst>
           </p:cNvPr>
@@ -1434,7 +1434,7 @@
           <p:cNvPr id="7" name="슬라이드 번호 개체 틀 6">
             <a:extLst>
               <a:ext uri="{FF2B5EF4-FFF2-40B4-BE49-F238E27FC236}">
-                <a16:creationId xmlns:a16="http://schemas.microsoft.com/office/drawing/2014/main" id="{23E9FD8D-F38F-4329-B81F-85220833DB61}"/>
+                <a16:creationId xmlns:a16="http://schemas.microsoft.com/office/drawing/2014/main" xmlns="" id="{23E9FD8D-F38F-4329-B81F-85220833DB61}"/>
               </a:ext>
             </a:extLst>
           </p:cNvPr>
@@ -1493,7 +1493,7 @@
           <p:cNvPr id="2" name="제목 1">
             <a:extLst>
               <a:ext uri="{FF2B5EF4-FFF2-40B4-BE49-F238E27FC236}">
-                <a16:creationId xmlns:a16="http://schemas.microsoft.com/office/drawing/2014/main" id="{2564160F-D3FF-4F77-9FC3-89206708F969}"/>
+                <a16:creationId xmlns:a16="http://schemas.microsoft.com/office/drawing/2014/main" xmlns="" id="{2564160F-D3FF-4F77-9FC3-89206708F969}"/>
               </a:ext>
             </a:extLst>
           </p:cNvPr>
@@ -1526,7 +1526,7 @@
           <p:cNvPr id="3" name="텍스트 개체 틀 2">
             <a:extLst>
               <a:ext uri="{FF2B5EF4-FFF2-40B4-BE49-F238E27FC236}">
-                <a16:creationId xmlns:a16="http://schemas.microsoft.com/office/drawing/2014/main" id="{CF3FA8B8-36F7-4810-9220-4280024EF135}"/>
+                <a16:creationId xmlns:a16="http://schemas.microsoft.com/office/drawing/2014/main" xmlns="" id="{CF3FA8B8-36F7-4810-9220-4280024EF135}"/>
               </a:ext>
             </a:extLst>
           </p:cNvPr>
@@ -1597,7 +1597,7 @@
           <p:cNvPr id="4" name="내용 개체 틀 3">
             <a:extLst>
               <a:ext uri="{FF2B5EF4-FFF2-40B4-BE49-F238E27FC236}">
-                <a16:creationId xmlns:a16="http://schemas.microsoft.com/office/drawing/2014/main" id="{48F9A254-8E1B-4E23-8627-D98EB95A09A9}"/>
+                <a16:creationId xmlns:a16="http://schemas.microsoft.com/office/drawing/2014/main" xmlns="" id="{48F9A254-8E1B-4E23-8627-D98EB95A09A9}"/>
               </a:ext>
             </a:extLst>
           </p:cNvPr>
@@ -1659,7 +1659,7 @@
           <p:cNvPr id="5" name="텍스트 개체 틀 4">
             <a:extLst>
               <a:ext uri="{FF2B5EF4-FFF2-40B4-BE49-F238E27FC236}">
-                <a16:creationId xmlns:a16="http://schemas.microsoft.com/office/drawing/2014/main" id="{E16C803A-3880-4BCA-8212-41EF606110F4}"/>
+                <a16:creationId xmlns:a16="http://schemas.microsoft.com/office/drawing/2014/main" xmlns="" id="{E16C803A-3880-4BCA-8212-41EF606110F4}"/>
               </a:ext>
             </a:extLst>
           </p:cNvPr>
@@ -1730,7 +1730,7 @@
           <p:cNvPr id="6" name="내용 개체 틀 5">
             <a:extLst>
               <a:ext uri="{FF2B5EF4-FFF2-40B4-BE49-F238E27FC236}">
-                <a16:creationId xmlns:a16="http://schemas.microsoft.com/office/drawing/2014/main" id="{F39051A1-A21B-4D72-B461-E36140DFB6DE}"/>
+                <a16:creationId xmlns:a16="http://schemas.microsoft.com/office/drawing/2014/main" xmlns="" id="{F39051A1-A21B-4D72-B461-E36140DFB6DE}"/>
               </a:ext>
             </a:extLst>
           </p:cNvPr>
@@ -1792,7 +1792,7 @@
           <p:cNvPr id="7" name="날짜 개체 틀 6">
             <a:extLst>
               <a:ext uri="{FF2B5EF4-FFF2-40B4-BE49-F238E27FC236}">
-                <a16:creationId xmlns:a16="http://schemas.microsoft.com/office/drawing/2014/main" id="{002C7774-A382-4ED8-9218-76A6F51D4627}"/>
+                <a16:creationId xmlns:a16="http://schemas.microsoft.com/office/drawing/2014/main" xmlns="" id="{002C7774-A382-4ED8-9218-76A6F51D4627}"/>
               </a:ext>
             </a:extLst>
           </p:cNvPr>
@@ -1810,7 +1810,7 @@
           <a:p>
             <a:fld id="{75489DF8-2009-40AB-A10C-0DFBA011A927}" type="datetimeFigureOut">
               <a:rPr lang="ko-KR" altLang="en-US" smtClean="0"/>
-              <a:t>2020-07-12</a:t>
+              <a:t>2020-07-14</a:t>
             </a:fld>
             <a:endParaRPr lang="ko-KR" altLang="en-US"/>
           </a:p>
@@ -1821,7 +1821,7 @@
           <p:cNvPr id="8" name="바닥글 개체 틀 7">
             <a:extLst>
               <a:ext uri="{FF2B5EF4-FFF2-40B4-BE49-F238E27FC236}">
-                <a16:creationId xmlns:a16="http://schemas.microsoft.com/office/drawing/2014/main" id="{7E5C38F8-2AC3-4C31-98C6-0DD1C532842D}"/>
+                <a16:creationId xmlns:a16="http://schemas.microsoft.com/office/drawing/2014/main" xmlns="" id="{7E5C38F8-2AC3-4C31-98C6-0DD1C532842D}"/>
               </a:ext>
             </a:extLst>
           </p:cNvPr>
@@ -1846,7 +1846,7 @@
           <p:cNvPr id="9" name="슬라이드 번호 개체 틀 8">
             <a:extLst>
               <a:ext uri="{FF2B5EF4-FFF2-40B4-BE49-F238E27FC236}">
-                <a16:creationId xmlns:a16="http://schemas.microsoft.com/office/drawing/2014/main" id="{2104F968-38D8-4F93-8960-052A57791D24}"/>
+                <a16:creationId xmlns:a16="http://schemas.microsoft.com/office/drawing/2014/main" xmlns="" id="{2104F968-38D8-4F93-8960-052A57791D24}"/>
               </a:ext>
             </a:extLst>
           </p:cNvPr>
@@ -1905,7 +1905,7 @@
           <p:cNvPr id="2" name="제목 1">
             <a:extLst>
               <a:ext uri="{FF2B5EF4-FFF2-40B4-BE49-F238E27FC236}">
-                <a16:creationId xmlns:a16="http://schemas.microsoft.com/office/drawing/2014/main" id="{7D388307-4EF4-4085-8511-C480A8C3D3B9}"/>
+                <a16:creationId xmlns:a16="http://schemas.microsoft.com/office/drawing/2014/main" xmlns="" id="{7D388307-4EF4-4085-8511-C480A8C3D3B9}"/>
               </a:ext>
             </a:extLst>
           </p:cNvPr>
@@ -1933,7 +1933,7 @@
           <p:cNvPr id="3" name="날짜 개체 틀 2">
             <a:extLst>
               <a:ext uri="{FF2B5EF4-FFF2-40B4-BE49-F238E27FC236}">
-                <a16:creationId xmlns:a16="http://schemas.microsoft.com/office/drawing/2014/main" id="{5645682D-3256-4BD1-A1B2-F503F69840A9}"/>
+                <a16:creationId xmlns:a16="http://schemas.microsoft.com/office/drawing/2014/main" xmlns="" id="{5645682D-3256-4BD1-A1B2-F503F69840A9}"/>
               </a:ext>
             </a:extLst>
           </p:cNvPr>
@@ -1951,7 +1951,7 @@
           <a:p>
             <a:fld id="{75489DF8-2009-40AB-A10C-0DFBA011A927}" type="datetimeFigureOut">
               <a:rPr lang="ko-KR" altLang="en-US" smtClean="0"/>
-              <a:t>2020-07-12</a:t>
+              <a:t>2020-07-14</a:t>
             </a:fld>
             <a:endParaRPr lang="ko-KR" altLang="en-US"/>
           </a:p>
@@ -1962,7 +1962,7 @@
           <p:cNvPr id="4" name="바닥글 개체 틀 3">
             <a:extLst>
               <a:ext uri="{FF2B5EF4-FFF2-40B4-BE49-F238E27FC236}">
-                <a16:creationId xmlns:a16="http://schemas.microsoft.com/office/drawing/2014/main" id="{BFCD2673-7105-4A3B-95C8-F9AE61261B04}"/>
+                <a16:creationId xmlns:a16="http://schemas.microsoft.com/office/drawing/2014/main" xmlns="" id="{BFCD2673-7105-4A3B-95C8-F9AE61261B04}"/>
               </a:ext>
             </a:extLst>
           </p:cNvPr>
@@ -1987,7 +1987,7 @@
           <p:cNvPr id="5" name="슬라이드 번호 개체 틀 4">
             <a:extLst>
               <a:ext uri="{FF2B5EF4-FFF2-40B4-BE49-F238E27FC236}">
-                <a16:creationId xmlns:a16="http://schemas.microsoft.com/office/drawing/2014/main" id="{CE83ABE7-E6CF-4DC6-8886-3FDE0B9FA5E2}"/>
+                <a16:creationId xmlns:a16="http://schemas.microsoft.com/office/drawing/2014/main" xmlns="" id="{CE83ABE7-E6CF-4DC6-8886-3FDE0B9FA5E2}"/>
               </a:ext>
             </a:extLst>
           </p:cNvPr>
@@ -2046,7 +2046,7 @@
           <p:cNvPr id="2" name="날짜 개체 틀 1">
             <a:extLst>
               <a:ext uri="{FF2B5EF4-FFF2-40B4-BE49-F238E27FC236}">
-                <a16:creationId xmlns:a16="http://schemas.microsoft.com/office/drawing/2014/main" id="{D1DEBAB4-ACC3-4F6A-8CD6-E1396377EFF5}"/>
+                <a16:creationId xmlns:a16="http://schemas.microsoft.com/office/drawing/2014/main" xmlns="" id="{D1DEBAB4-ACC3-4F6A-8CD6-E1396377EFF5}"/>
               </a:ext>
             </a:extLst>
           </p:cNvPr>
@@ -2064,7 +2064,7 @@
           <a:p>
             <a:fld id="{75489DF8-2009-40AB-A10C-0DFBA011A927}" type="datetimeFigureOut">
               <a:rPr lang="ko-KR" altLang="en-US" smtClean="0"/>
-              <a:t>2020-07-12</a:t>
+              <a:t>2020-07-14</a:t>
             </a:fld>
             <a:endParaRPr lang="ko-KR" altLang="en-US"/>
           </a:p>
@@ -2075,7 +2075,7 @@
           <p:cNvPr id="3" name="바닥글 개체 틀 2">
             <a:extLst>
               <a:ext uri="{FF2B5EF4-FFF2-40B4-BE49-F238E27FC236}">
-                <a16:creationId xmlns:a16="http://schemas.microsoft.com/office/drawing/2014/main" id="{4ED14C8D-E9CA-421A-A100-7CB91B96C7C4}"/>
+                <a16:creationId xmlns:a16="http://schemas.microsoft.com/office/drawing/2014/main" xmlns="" id="{4ED14C8D-E9CA-421A-A100-7CB91B96C7C4}"/>
               </a:ext>
             </a:extLst>
           </p:cNvPr>
@@ -2100,7 +2100,7 @@
           <p:cNvPr id="4" name="슬라이드 번호 개체 틀 3">
             <a:extLst>
               <a:ext uri="{FF2B5EF4-FFF2-40B4-BE49-F238E27FC236}">
-                <a16:creationId xmlns:a16="http://schemas.microsoft.com/office/drawing/2014/main" id="{9D351803-06D3-49E9-AE4E-0A2B07CD9D7A}"/>
+                <a16:creationId xmlns:a16="http://schemas.microsoft.com/office/drawing/2014/main" xmlns="" id="{9D351803-06D3-49E9-AE4E-0A2B07CD9D7A}"/>
               </a:ext>
             </a:extLst>
           </p:cNvPr>
@@ -2159,7 +2159,7 @@
           <p:cNvPr id="2" name="제목 1">
             <a:extLst>
               <a:ext uri="{FF2B5EF4-FFF2-40B4-BE49-F238E27FC236}">
-                <a16:creationId xmlns:a16="http://schemas.microsoft.com/office/drawing/2014/main" id="{C2E553FF-9247-41F3-95D8-DB3CB8DF89C0}"/>
+                <a16:creationId xmlns:a16="http://schemas.microsoft.com/office/drawing/2014/main" xmlns="" id="{C2E553FF-9247-41F3-95D8-DB3CB8DF89C0}"/>
               </a:ext>
             </a:extLst>
           </p:cNvPr>
@@ -2196,7 +2196,7 @@
           <p:cNvPr id="3" name="내용 개체 틀 2">
             <a:extLst>
               <a:ext uri="{FF2B5EF4-FFF2-40B4-BE49-F238E27FC236}">
-                <a16:creationId xmlns:a16="http://schemas.microsoft.com/office/drawing/2014/main" id="{44E5F4F8-BF27-41B1-B4E5-A24206030E44}"/>
+                <a16:creationId xmlns:a16="http://schemas.microsoft.com/office/drawing/2014/main" xmlns="" id="{44E5F4F8-BF27-41B1-B4E5-A24206030E44}"/>
               </a:ext>
             </a:extLst>
           </p:cNvPr>
@@ -2286,7 +2286,7 @@
           <p:cNvPr id="4" name="텍스트 개체 틀 3">
             <a:extLst>
               <a:ext uri="{FF2B5EF4-FFF2-40B4-BE49-F238E27FC236}">
-                <a16:creationId xmlns:a16="http://schemas.microsoft.com/office/drawing/2014/main" id="{2AB11B5F-E1A1-42DB-B56E-B8018A596CAC}"/>
+                <a16:creationId xmlns:a16="http://schemas.microsoft.com/office/drawing/2014/main" xmlns="" id="{2AB11B5F-E1A1-42DB-B56E-B8018A596CAC}"/>
               </a:ext>
             </a:extLst>
           </p:cNvPr>
@@ -2357,7 +2357,7 @@
           <p:cNvPr id="5" name="날짜 개체 틀 4">
             <a:extLst>
               <a:ext uri="{FF2B5EF4-FFF2-40B4-BE49-F238E27FC236}">
-                <a16:creationId xmlns:a16="http://schemas.microsoft.com/office/drawing/2014/main" id="{4669BB16-023B-4160-BEE5-5984C802BCBA}"/>
+                <a16:creationId xmlns:a16="http://schemas.microsoft.com/office/drawing/2014/main" xmlns="" id="{4669BB16-023B-4160-BEE5-5984C802BCBA}"/>
               </a:ext>
             </a:extLst>
           </p:cNvPr>
@@ -2375,7 +2375,7 @@
           <a:p>
             <a:fld id="{75489DF8-2009-40AB-A10C-0DFBA011A927}" type="datetimeFigureOut">
               <a:rPr lang="ko-KR" altLang="en-US" smtClean="0"/>
-              <a:t>2020-07-12</a:t>
+              <a:t>2020-07-14</a:t>
             </a:fld>
             <a:endParaRPr lang="ko-KR" altLang="en-US"/>
           </a:p>
@@ -2386,7 +2386,7 @@
           <p:cNvPr id="6" name="바닥글 개체 틀 5">
             <a:extLst>
               <a:ext uri="{FF2B5EF4-FFF2-40B4-BE49-F238E27FC236}">
-                <a16:creationId xmlns:a16="http://schemas.microsoft.com/office/drawing/2014/main" id="{B4833FD5-5F7D-4AA0-B9E2-7C1E0985A9FE}"/>
+                <a16:creationId xmlns:a16="http://schemas.microsoft.com/office/drawing/2014/main" xmlns="" id="{B4833FD5-5F7D-4AA0-B9E2-7C1E0985A9FE}"/>
               </a:ext>
             </a:extLst>
           </p:cNvPr>
@@ -2411,7 +2411,7 @@
           <p:cNvPr id="7" name="슬라이드 번호 개체 틀 6">
             <a:extLst>
               <a:ext uri="{FF2B5EF4-FFF2-40B4-BE49-F238E27FC236}">
-                <a16:creationId xmlns:a16="http://schemas.microsoft.com/office/drawing/2014/main" id="{97A2CC0E-9C4B-4291-80C9-067F0EB3202C}"/>
+                <a16:creationId xmlns:a16="http://schemas.microsoft.com/office/drawing/2014/main" xmlns="" id="{97A2CC0E-9C4B-4291-80C9-067F0EB3202C}"/>
               </a:ext>
             </a:extLst>
           </p:cNvPr>
@@ -2470,7 +2470,7 @@
           <p:cNvPr id="2" name="제목 1">
             <a:extLst>
               <a:ext uri="{FF2B5EF4-FFF2-40B4-BE49-F238E27FC236}">
-                <a16:creationId xmlns:a16="http://schemas.microsoft.com/office/drawing/2014/main" id="{EDAED991-3098-440B-BFDA-37D400E47245}"/>
+                <a16:creationId xmlns:a16="http://schemas.microsoft.com/office/drawing/2014/main" xmlns="" id="{EDAED991-3098-440B-BFDA-37D400E47245}"/>
               </a:ext>
             </a:extLst>
           </p:cNvPr>
@@ -2507,7 +2507,7 @@
           <p:cNvPr id="3" name="그림 개체 틀 2">
             <a:extLst>
               <a:ext uri="{FF2B5EF4-FFF2-40B4-BE49-F238E27FC236}">
-                <a16:creationId xmlns:a16="http://schemas.microsoft.com/office/drawing/2014/main" id="{8E7D07BE-60D3-4D69-A519-681DA0573D37}"/>
+                <a16:creationId xmlns:a16="http://schemas.microsoft.com/office/drawing/2014/main" xmlns="" id="{8E7D07BE-60D3-4D69-A519-681DA0573D37}"/>
               </a:ext>
             </a:extLst>
           </p:cNvPr>
@@ -2574,7 +2574,7 @@
           <p:cNvPr id="4" name="텍스트 개체 틀 3">
             <a:extLst>
               <a:ext uri="{FF2B5EF4-FFF2-40B4-BE49-F238E27FC236}">
-                <a16:creationId xmlns:a16="http://schemas.microsoft.com/office/drawing/2014/main" id="{BDD06718-5D54-45DA-926B-E9A8FF8DD9A5}"/>
+                <a16:creationId xmlns:a16="http://schemas.microsoft.com/office/drawing/2014/main" xmlns="" id="{BDD06718-5D54-45DA-926B-E9A8FF8DD9A5}"/>
               </a:ext>
             </a:extLst>
           </p:cNvPr>
@@ -2645,7 +2645,7 @@
           <p:cNvPr id="5" name="날짜 개체 틀 4">
             <a:extLst>
               <a:ext uri="{FF2B5EF4-FFF2-40B4-BE49-F238E27FC236}">
-                <a16:creationId xmlns:a16="http://schemas.microsoft.com/office/drawing/2014/main" id="{7BD79F5B-D9AA-407C-AB0E-75D196169EF9}"/>
+                <a16:creationId xmlns:a16="http://schemas.microsoft.com/office/drawing/2014/main" xmlns="" id="{7BD79F5B-D9AA-407C-AB0E-75D196169EF9}"/>
               </a:ext>
             </a:extLst>
           </p:cNvPr>
@@ -2663,7 +2663,7 @@
           <a:p>
             <a:fld id="{75489DF8-2009-40AB-A10C-0DFBA011A927}" type="datetimeFigureOut">
               <a:rPr lang="ko-KR" altLang="en-US" smtClean="0"/>
-              <a:t>2020-07-12</a:t>
+              <a:t>2020-07-14</a:t>
             </a:fld>
             <a:endParaRPr lang="ko-KR" altLang="en-US"/>
           </a:p>
@@ -2674,7 +2674,7 @@
           <p:cNvPr id="6" name="바닥글 개체 틀 5">
             <a:extLst>
               <a:ext uri="{FF2B5EF4-FFF2-40B4-BE49-F238E27FC236}">
-                <a16:creationId xmlns:a16="http://schemas.microsoft.com/office/drawing/2014/main" id="{07AB8C5F-C0C3-4CBB-98EF-9236434A80D8}"/>
+                <a16:creationId xmlns:a16="http://schemas.microsoft.com/office/drawing/2014/main" xmlns="" id="{07AB8C5F-C0C3-4CBB-98EF-9236434A80D8}"/>
               </a:ext>
             </a:extLst>
           </p:cNvPr>
@@ -2699,7 +2699,7 @@
           <p:cNvPr id="7" name="슬라이드 번호 개체 틀 6">
             <a:extLst>
               <a:ext uri="{FF2B5EF4-FFF2-40B4-BE49-F238E27FC236}">
-                <a16:creationId xmlns:a16="http://schemas.microsoft.com/office/drawing/2014/main" id="{270D1F4E-C3C8-4B86-B233-52F16447C696}"/>
+                <a16:creationId xmlns:a16="http://schemas.microsoft.com/office/drawing/2014/main" xmlns="" id="{270D1F4E-C3C8-4B86-B233-52F16447C696}"/>
               </a:ext>
             </a:extLst>
           </p:cNvPr>
@@ -2763,7 +2763,7 @@
           <p:cNvPr id="2" name="제목 개체 틀 1">
             <a:extLst>
               <a:ext uri="{FF2B5EF4-FFF2-40B4-BE49-F238E27FC236}">
-                <a16:creationId xmlns:a16="http://schemas.microsoft.com/office/drawing/2014/main" id="{310B64D0-3CF9-4C3B-A4B9-BCC335C748F5}"/>
+                <a16:creationId xmlns:a16="http://schemas.microsoft.com/office/drawing/2014/main" xmlns="" id="{310B64D0-3CF9-4C3B-A4B9-BCC335C748F5}"/>
               </a:ext>
             </a:extLst>
           </p:cNvPr>
@@ -2801,7 +2801,7 @@
           <p:cNvPr id="3" name="텍스트 개체 틀 2">
             <a:extLst>
               <a:ext uri="{FF2B5EF4-FFF2-40B4-BE49-F238E27FC236}">
-                <a16:creationId xmlns:a16="http://schemas.microsoft.com/office/drawing/2014/main" id="{512ADA7B-42B8-4456-A85B-96C465C63545}"/>
+                <a16:creationId xmlns:a16="http://schemas.microsoft.com/office/drawing/2014/main" xmlns="" id="{512ADA7B-42B8-4456-A85B-96C465C63545}"/>
               </a:ext>
             </a:extLst>
           </p:cNvPr>
@@ -2868,7 +2868,7 @@
           <p:cNvPr id="4" name="날짜 개체 틀 3">
             <a:extLst>
               <a:ext uri="{FF2B5EF4-FFF2-40B4-BE49-F238E27FC236}">
-                <a16:creationId xmlns:a16="http://schemas.microsoft.com/office/drawing/2014/main" id="{79589B9C-3ADE-4712-B590-7DE58B609DF2}"/>
+                <a16:creationId xmlns:a16="http://schemas.microsoft.com/office/drawing/2014/main" xmlns="" id="{79589B9C-3ADE-4712-B590-7DE58B609DF2}"/>
               </a:ext>
             </a:extLst>
           </p:cNvPr>
@@ -2904,7 +2904,7 @@
           <a:p>
             <a:fld id="{75489DF8-2009-40AB-A10C-0DFBA011A927}" type="datetimeFigureOut">
               <a:rPr lang="ko-KR" altLang="en-US" smtClean="0"/>
-              <a:t>2020-07-12</a:t>
+              <a:t>2020-07-14</a:t>
             </a:fld>
             <a:endParaRPr lang="ko-KR" altLang="en-US"/>
           </a:p>
@@ -2915,7 +2915,7 @@
           <p:cNvPr id="5" name="바닥글 개체 틀 4">
             <a:extLst>
               <a:ext uri="{FF2B5EF4-FFF2-40B4-BE49-F238E27FC236}">
-                <a16:creationId xmlns:a16="http://schemas.microsoft.com/office/drawing/2014/main" id="{C68265DD-8840-44F0-BD2C-32F15118B182}"/>
+                <a16:creationId xmlns:a16="http://schemas.microsoft.com/office/drawing/2014/main" xmlns="" id="{C68265DD-8840-44F0-BD2C-32F15118B182}"/>
               </a:ext>
             </a:extLst>
           </p:cNvPr>
@@ -2958,7 +2958,7 @@
           <p:cNvPr id="6" name="슬라이드 번호 개체 틀 5">
             <a:extLst>
               <a:ext uri="{FF2B5EF4-FFF2-40B4-BE49-F238E27FC236}">
-                <a16:creationId xmlns:a16="http://schemas.microsoft.com/office/drawing/2014/main" id="{819E21C4-F52E-41E2-82AC-78E93F332BD3}"/>
+                <a16:creationId xmlns:a16="http://schemas.microsoft.com/office/drawing/2014/main" xmlns="" id="{819E21C4-F52E-41E2-82AC-78E93F332BD3}"/>
               </a:ext>
             </a:extLst>
           </p:cNvPr>
@@ -3326,7 +3326,7 @@
           <p:cNvPr id="4" name="표 4">
             <a:extLst>
               <a:ext uri="{FF2B5EF4-FFF2-40B4-BE49-F238E27FC236}">
-                <a16:creationId xmlns:a16="http://schemas.microsoft.com/office/drawing/2014/main" id="{CAB5A504-CB84-433A-B719-26180797220A}"/>
+                <a16:creationId xmlns:a16="http://schemas.microsoft.com/office/drawing/2014/main" xmlns="" id="{CAB5A504-CB84-433A-B719-26180797220A}"/>
               </a:ext>
             </a:extLst>
           </p:cNvPr>
@@ -3336,7 +3336,7 @@
           <p:nvPr>
             <p:extLst>
               <p:ext uri="{D42A27DB-BD31-4B8C-83A1-F6EECF244321}">
-                <p14:modId xmlns:p14="http://schemas.microsoft.com/office/powerpoint/2010/main" val="266912691"/>
+                <p14:modId xmlns:p14="http://schemas.microsoft.com/office/powerpoint/2010/main" val="1918923955"/>
               </p:ext>
             </p:extLst>
           </p:nvPr>
@@ -3355,35 +3355,35 @@
                 <a:gridCol w="2438400">
                   <a:extLst>
                     <a:ext uri="{9D8B030D-6E8A-4147-A177-3AD203B41FA5}">
-                      <a16:colId xmlns:a16="http://schemas.microsoft.com/office/drawing/2014/main" val="1674923353"/>
+                      <a16:colId xmlns:a16="http://schemas.microsoft.com/office/drawing/2014/main" xmlns="" val="1674923353"/>
                     </a:ext>
                   </a:extLst>
                 </a:gridCol>
                 <a:gridCol w="2438400">
                   <a:extLst>
                     <a:ext uri="{9D8B030D-6E8A-4147-A177-3AD203B41FA5}">
-                      <a16:colId xmlns:a16="http://schemas.microsoft.com/office/drawing/2014/main" val="1324629748"/>
+                      <a16:colId xmlns:a16="http://schemas.microsoft.com/office/drawing/2014/main" xmlns="" val="1324629748"/>
                     </a:ext>
                   </a:extLst>
                 </a:gridCol>
                 <a:gridCol w="2438400">
                   <a:extLst>
                     <a:ext uri="{9D8B030D-6E8A-4147-A177-3AD203B41FA5}">
-                      <a16:colId xmlns:a16="http://schemas.microsoft.com/office/drawing/2014/main" val="1350394048"/>
+                      <a16:colId xmlns:a16="http://schemas.microsoft.com/office/drawing/2014/main" xmlns="" val="1350394048"/>
                     </a:ext>
                   </a:extLst>
                 </a:gridCol>
                 <a:gridCol w="2438400">
                   <a:extLst>
                     <a:ext uri="{9D8B030D-6E8A-4147-A177-3AD203B41FA5}">
-                      <a16:colId xmlns:a16="http://schemas.microsoft.com/office/drawing/2014/main" val="2294021861"/>
+                      <a16:colId xmlns:a16="http://schemas.microsoft.com/office/drawing/2014/main" xmlns="" val="2294021861"/>
                     </a:ext>
                   </a:extLst>
                 </a:gridCol>
                 <a:gridCol w="2438400">
                   <a:extLst>
                     <a:ext uri="{9D8B030D-6E8A-4147-A177-3AD203B41FA5}">
-                      <a16:colId xmlns:a16="http://schemas.microsoft.com/office/drawing/2014/main" val="3364177149"/>
+                      <a16:colId xmlns:a16="http://schemas.microsoft.com/office/drawing/2014/main" xmlns="" val="3364177149"/>
                     </a:ext>
                   </a:extLst>
                 </a:gridCol>
@@ -3473,7 +3473,7 @@
                 </a:tc>
                 <a:extLst>
                   <a:ext uri="{0D108BD9-81ED-4DB2-BD59-A6C34878D82A}">
-                    <a16:rowId xmlns:a16="http://schemas.microsoft.com/office/drawing/2014/main" val="358643750"/>
+                    <a16:rowId xmlns:a16="http://schemas.microsoft.com/office/drawing/2014/main" xmlns="" val="358643750"/>
                   </a:ext>
                 </a:extLst>
               </a:tr>
@@ -3516,12 +3516,16 @@
                   </a:txBody>
                   <a:tcPr anchor="ctr"/>
                 </a:tc>
-                <a:tc>
+                <a:tc rowSpan="3">
                   <a:txBody>
                     <a:bodyPr/>
                     <a:lstStyle/>
                     <a:p>
                       <a:pPr algn="ctr" latinLnBrk="1"/>
+                      <a:r>
+                        <a:rPr lang="en-US" altLang="ko-KR" sz="2400" smtClean="0"/>
+                        <a:t>L7(Firewall)</a:t>
+                      </a:r>
                       <a:endParaRPr lang="ko-KR" altLang="en-US" sz="2400"/>
                     </a:p>
                   </a:txBody>
@@ -3567,7 +3571,7 @@
                 </a:tc>
                 <a:extLst>
                   <a:ext uri="{0D108BD9-81ED-4DB2-BD59-A6C34878D82A}">
-                    <a16:rowId xmlns:a16="http://schemas.microsoft.com/office/drawing/2014/main" val="409650485"/>
+                    <a16:rowId xmlns:a16="http://schemas.microsoft.com/office/drawing/2014/main" xmlns="" val="409650485"/>
                   </a:ext>
                 </a:extLst>
               </a:tr>
@@ -3610,7 +3614,7 @@
                   </a:txBody>
                   <a:tcPr anchor="ctr"/>
                 </a:tc>
-                <a:tc>
+                <a:tc vMerge="1">
                   <a:txBody>
                     <a:bodyPr/>
                     <a:lstStyle/>
@@ -3645,7 +3649,7 @@
                 </a:tc>
                 <a:extLst>
                   <a:ext uri="{0D108BD9-81ED-4DB2-BD59-A6C34878D82A}">
-                    <a16:rowId xmlns:a16="http://schemas.microsoft.com/office/drawing/2014/main" val="2790940379"/>
+                    <a16:rowId xmlns:a16="http://schemas.microsoft.com/office/drawing/2014/main" xmlns="" val="2790940379"/>
                   </a:ext>
                 </a:extLst>
               </a:tr>
@@ -3688,7 +3692,7 @@
                   </a:txBody>
                   <a:tcPr anchor="ctr"/>
                 </a:tc>
-                <a:tc>
+                <a:tc vMerge="1">
                   <a:txBody>
                     <a:bodyPr/>
                     <a:lstStyle/>
@@ -3723,7 +3727,7 @@
                 </a:tc>
                 <a:extLst>
                   <a:ext uri="{0D108BD9-81ED-4DB2-BD59-A6C34878D82A}">
-                    <a16:rowId xmlns:a16="http://schemas.microsoft.com/office/drawing/2014/main" val="2678967579"/>
+                    <a16:rowId xmlns:a16="http://schemas.microsoft.com/office/drawing/2014/main" xmlns="" val="2678967579"/>
                   </a:ext>
                 </a:extLst>
               </a:tr>
@@ -3772,6 +3776,10 @@
                     <a:lstStyle/>
                     <a:p>
                       <a:pPr algn="ctr" latinLnBrk="1"/>
+                      <a:r>
+                        <a:rPr lang="en-US" altLang="ko-KR" sz="2400" smtClean="0"/>
+                        <a:t>L4(NAT)</a:t>
+                      </a:r>
                       <a:endParaRPr lang="ko-KR" altLang="en-US" sz="2400"/>
                     </a:p>
                   </a:txBody>
@@ -3817,7 +3825,7 @@
                 </a:tc>
                 <a:extLst>
                   <a:ext uri="{0D108BD9-81ED-4DB2-BD59-A6C34878D82A}">
-                    <a16:rowId xmlns:a16="http://schemas.microsoft.com/office/drawing/2014/main" val="3286132060"/>
+                    <a16:rowId xmlns:a16="http://schemas.microsoft.com/office/drawing/2014/main" xmlns="" val="3286132060"/>
                   </a:ext>
                 </a:extLst>
               </a:tr>
@@ -3866,6 +3874,10 @@
                     <a:lstStyle/>
                     <a:p>
                       <a:pPr algn="ctr" latinLnBrk="1"/>
+                      <a:r>
+                        <a:rPr lang="en-US" altLang="ko-KR" sz="2400" smtClean="0"/>
+                        <a:t>L3(Router)</a:t>
+                      </a:r>
                       <a:endParaRPr lang="ko-KR" altLang="en-US" sz="2400"/>
                     </a:p>
                   </a:txBody>
@@ -3911,7 +3923,7 @@
                 </a:tc>
                 <a:extLst>
                   <a:ext uri="{0D108BD9-81ED-4DB2-BD59-A6C34878D82A}">
-                    <a16:rowId xmlns:a16="http://schemas.microsoft.com/office/drawing/2014/main" val="872581322"/>
+                    <a16:rowId xmlns:a16="http://schemas.microsoft.com/office/drawing/2014/main" xmlns="" val="872581322"/>
                   </a:ext>
                 </a:extLst>
               </a:tr>
@@ -3960,6 +3972,10 @@
                     <a:lstStyle/>
                     <a:p>
                       <a:pPr algn="ctr" latinLnBrk="1"/>
+                      <a:r>
+                        <a:rPr lang="en-US" altLang="ko-KR" sz="2400" smtClean="0"/>
+                        <a:t>L2(Switch</a:t>
+                      </a:r>
                       <a:endParaRPr lang="ko-KR" altLang="en-US" sz="2400"/>
                     </a:p>
                   </a:txBody>
@@ -4005,7 +4021,7 @@
                 </a:tc>
                 <a:extLst>
                   <a:ext uri="{0D108BD9-81ED-4DB2-BD59-A6C34878D82A}">
-                    <a16:rowId xmlns:a16="http://schemas.microsoft.com/office/drawing/2014/main" val="2294654746"/>
+                    <a16:rowId xmlns:a16="http://schemas.microsoft.com/office/drawing/2014/main" xmlns="" val="2294654746"/>
                   </a:ext>
                 </a:extLst>
               </a:tr>
@@ -4083,7 +4099,7 @@
                 </a:tc>
                 <a:extLst>
                   <a:ext uri="{0D108BD9-81ED-4DB2-BD59-A6C34878D82A}">
-                    <a16:rowId xmlns:a16="http://schemas.microsoft.com/office/drawing/2014/main" val="2514333617"/>
+                    <a16:rowId xmlns:a16="http://schemas.microsoft.com/office/drawing/2014/main" xmlns="" val="2514333617"/>
                   </a:ext>
                 </a:extLst>
               </a:tr>
@@ -4147,7 +4163,7 @@
     </a:clrScheme>
     <a:fontScheme name="Office">
       <a:majorFont>
-        <a:latin typeface="맑은 고딕" panose="020F0302020204030204"/>
+        <a:latin typeface="맑은 고딕"/>
         <a:ea typeface=""/>
         <a:cs typeface=""/>
         <a:font script="Jpan" typeface="游ゴシック Light"/>
@@ -4199,7 +4215,7 @@
         <a:font script="Tfng" typeface="Ebrima"/>
       </a:majorFont>
       <a:minorFont>
-        <a:latin typeface="맑은 고딕" panose="020F0502020204030204"/>
+        <a:latin typeface="맑은 고딕"/>
         <a:ea typeface=""/>
         <a:cs typeface=""/>
         <a:font script="Jpan" typeface="游ゴシック"/>
@@ -4393,7 +4409,7 @@
   <a:extraClrSchemeLst/>
   <a:extLst>
     <a:ext uri="{05A4C25C-085E-4340-85A3-A5531E510DB2}">
-      <thm15:themeFamily xmlns:thm15="http://schemas.microsoft.com/office/thememl/2012/main" name="Office Theme" id="{62F939B6-93AF-4DB8-9C6B-D6C7DFDC589F}" vid="{4A3C46E8-61CC-4603-A589-7422A47A8E4A}"/>
+      <thm15:themeFamily xmlns:thm15="http://schemas.microsoft.com/office/thememl/2012/main" xmlns="" name="Office Theme" id="{62F939B6-93AF-4DB8-9C6B-D6C7DFDC589F}" vid="{4A3C46E8-61CC-4603-A589-7422A47A8E4A}"/>
     </a:ext>
   </a:extLst>
 </a:theme>

--- a/osi-and-tcp.pptx
+++ b/osi-and-tcp.pptx
@@ -129,7 +129,7 @@
           <p:cNvPr id="2" name="제목 1">
             <a:extLst>
               <a:ext uri="{FF2B5EF4-FFF2-40B4-BE49-F238E27FC236}">
-                <a16:creationId xmlns:a16="http://schemas.microsoft.com/office/drawing/2014/main" xmlns="" id="{97E188FF-4A18-4A1F-9C5F-625DA52E057E}"/>
+                <a16:creationId xmlns="" xmlns:a16="http://schemas.microsoft.com/office/drawing/2014/main" id="{97E188FF-4A18-4A1F-9C5F-625DA52E057E}"/>
               </a:ext>
             </a:extLst>
           </p:cNvPr>
@@ -166,7 +166,7 @@
           <p:cNvPr id="3" name="부제목 2">
             <a:extLst>
               <a:ext uri="{FF2B5EF4-FFF2-40B4-BE49-F238E27FC236}">
-                <a16:creationId xmlns:a16="http://schemas.microsoft.com/office/drawing/2014/main" xmlns="" id="{D3526CA9-AC9F-4F6F-A3C9-1BEC7EAB9D3E}"/>
+                <a16:creationId xmlns="" xmlns:a16="http://schemas.microsoft.com/office/drawing/2014/main" id="{D3526CA9-AC9F-4F6F-A3C9-1BEC7EAB9D3E}"/>
               </a:ext>
             </a:extLst>
           </p:cNvPr>
@@ -236,7 +236,7 @@
           <p:cNvPr id="4" name="날짜 개체 틀 3">
             <a:extLst>
               <a:ext uri="{FF2B5EF4-FFF2-40B4-BE49-F238E27FC236}">
-                <a16:creationId xmlns:a16="http://schemas.microsoft.com/office/drawing/2014/main" xmlns="" id="{1CE7A3F1-C496-4759-871B-7915D13DF164}"/>
+                <a16:creationId xmlns="" xmlns:a16="http://schemas.microsoft.com/office/drawing/2014/main" id="{1CE7A3F1-C496-4759-871B-7915D13DF164}"/>
               </a:ext>
             </a:extLst>
           </p:cNvPr>
@@ -254,7 +254,7 @@
           <a:p>
             <a:fld id="{75489DF8-2009-40AB-A10C-0DFBA011A927}" type="datetimeFigureOut">
               <a:rPr lang="ko-KR" altLang="en-US" smtClean="0"/>
-              <a:t>2020-07-14</a:t>
+              <a:t>2020-07-22</a:t>
             </a:fld>
             <a:endParaRPr lang="ko-KR" altLang="en-US"/>
           </a:p>
@@ -265,7 +265,7 @@
           <p:cNvPr id="5" name="바닥글 개체 틀 4">
             <a:extLst>
               <a:ext uri="{FF2B5EF4-FFF2-40B4-BE49-F238E27FC236}">
-                <a16:creationId xmlns:a16="http://schemas.microsoft.com/office/drawing/2014/main" xmlns="" id="{F407946F-379D-4CB9-8902-00F553E668CE}"/>
+                <a16:creationId xmlns="" xmlns:a16="http://schemas.microsoft.com/office/drawing/2014/main" id="{F407946F-379D-4CB9-8902-00F553E668CE}"/>
               </a:ext>
             </a:extLst>
           </p:cNvPr>
@@ -290,7 +290,7 @@
           <p:cNvPr id="6" name="슬라이드 번호 개체 틀 5">
             <a:extLst>
               <a:ext uri="{FF2B5EF4-FFF2-40B4-BE49-F238E27FC236}">
-                <a16:creationId xmlns:a16="http://schemas.microsoft.com/office/drawing/2014/main" xmlns="" id="{2AE154E5-EB88-47B1-AEBF-2DBDF9A2406E}"/>
+                <a16:creationId xmlns="" xmlns:a16="http://schemas.microsoft.com/office/drawing/2014/main" id="{2AE154E5-EB88-47B1-AEBF-2DBDF9A2406E}"/>
               </a:ext>
             </a:extLst>
           </p:cNvPr>
@@ -349,7 +349,7 @@
           <p:cNvPr id="2" name="제목 1">
             <a:extLst>
               <a:ext uri="{FF2B5EF4-FFF2-40B4-BE49-F238E27FC236}">
-                <a16:creationId xmlns:a16="http://schemas.microsoft.com/office/drawing/2014/main" xmlns="" id="{DA5999FB-D89E-4307-BE84-7294B4AC6C5F}"/>
+                <a16:creationId xmlns="" xmlns:a16="http://schemas.microsoft.com/office/drawing/2014/main" id="{DA5999FB-D89E-4307-BE84-7294B4AC6C5F}"/>
               </a:ext>
             </a:extLst>
           </p:cNvPr>
@@ -377,7 +377,7 @@
           <p:cNvPr id="3" name="세로 텍스트 개체 틀 2">
             <a:extLst>
               <a:ext uri="{FF2B5EF4-FFF2-40B4-BE49-F238E27FC236}">
-                <a16:creationId xmlns:a16="http://schemas.microsoft.com/office/drawing/2014/main" xmlns="" id="{E8C4B804-909F-47EE-814A-E6C1B5BC6468}"/>
+                <a16:creationId xmlns="" xmlns:a16="http://schemas.microsoft.com/office/drawing/2014/main" id="{E8C4B804-909F-47EE-814A-E6C1B5BC6468}"/>
               </a:ext>
             </a:extLst>
           </p:cNvPr>
@@ -434,7 +434,7 @@
           <p:cNvPr id="4" name="날짜 개체 틀 3">
             <a:extLst>
               <a:ext uri="{FF2B5EF4-FFF2-40B4-BE49-F238E27FC236}">
-                <a16:creationId xmlns:a16="http://schemas.microsoft.com/office/drawing/2014/main" xmlns="" id="{D29FED3A-154A-4143-A117-8BA98489581A}"/>
+                <a16:creationId xmlns="" xmlns:a16="http://schemas.microsoft.com/office/drawing/2014/main" id="{D29FED3A-154A-4143-A117-8BA98489581A}"/>
               </a:ext>
             </a:extLst>
           </p:cNvPr>
@@ -452,7 +452,7 @@
           <a:p>
             <a:fld id="{75489DF8-2009-40AB-A10C-0DFBA011A927}" type="datetimeFigureOut">
               <a:rPr lang="ko-KR" altLang="en-US" smtClean="0"/>
-              <a:t>2020-07-14</a:t>
+              <a:t>2020-07-22</a:t>
             </a:fld>
             <a:endParaRPr lang="ko-KR" altLang="en-US"/>
           </a:p>
@@ -463,7 +463,7 @@
           <p:cNvPr id="5" name="바닥글 개체 틀 4">
             <a:extLst>
               <a:ext uri="{FF2B5EF4-FFF2-40B4-BE49-F238E27FC236}">
-                <a16:creationId xmlns:a16="http://schemas.microsoft.com/office/drawing/2014/main" xmlns="" id="{B3467791-D8E9-4371-A854-32ADD781A26D}"/>
+                <a16:creationId xmlns="" xmlns:a16="http://schemas.microsoft.com/office/drawing/2014/main" id="{B3467791-D8E9-4371-A854-32ADD781A26D}"/>
               </a:ext>
             </a:extLst>
           </p:cNvPr>
@@ -488,7 +488,7 @@
           <p:cNvPr id="6" name="슬라이드 번호 개체 틀 5">
             <a:extLst>
               <a:ext uri="{FF2B5EF4-FFF2-40B4-BE49-F238E27FC236}">
-                <a16:creationId xmlns:a16="http://schemas.microsoft.com/office/drawing/2014/main" xmlns="" id="{BFA1F60C-9989-4B54-8FA2-D3671FE84E5D}"/>
+                <a16:creationId xmlns="" xmlns:a16="http://schemas.microsoft.com/office/drawing/2014/main" id="{BFA1F60C-9989-4B54-8FA2-D3671FE84E5D}"/>
               </a:ext>
             </a:extLst>
           </p:cNvPr>
@@ -547,7 +547,7 @@
           <p:cNvPr id="2" name="세로 제목 1">
             <a:extLst>
               <a:ext uri="{FF2B5EF4-FFF2-40B4-BE49-F238E27FC236}">
-                <a16:creationId xmlns:a16="http://schemas.microsoft.com/office/drawing/2014/main" xmlns="" id="{C1DCFD5B-9F62-4C12-A2FE-4F466039B4A4}"/>
+                <a16:creationId xmlns="" xmlns:a16="http://schemas.microsoft.com/office/drawing/2014/main" id="{C1DCFD5B-9F62-4C12-A2FE-4F466039B4A4}"/>
               </a:ext>
             </a:extLst>
           </p:cNvPr>
@@ -580,7 +580,7 @@
           <p:cNvPr id="3" name="세로 텍스트 개체 틀 2">
             <a:extLst>
               <a:ext uri="{FF2B5EF4-FFF2-40B4-BE49-F238E27FC236}">
-                <a16:creationId xmlns:a16="http://schemas.microsoft.com/office/drawing/2014/main" xmlns="" id="{070B2557-EF2B-41B8-AAD0-B4FBE97BA10F}"/>
+                <a16:creationId xmlns="" xmlns:a16="http://schemas.microsoft.com/office/drawing/2014/main" id="{070B2557-EF2B-41B8-AAD0-B4FBE97BA10F}"/>
               </a:ext>
             </a:extLst>
           </p:cNvPr>
@@ -642,7 +642,7 @@
           <p:cNvPr id="4" name="날짜 개체 틀 3">
             <a:extLst>
               <a:ext uri="{FF2B5EF4-FFF2-40B4-BE49-F238E27FC236}">
-                <a16:creationId xmlns:a16="http://schemas.microsoft.com/office/drawing/2014/main" xmlns="" id="{00129B43-68DA-48D9-8888-92FE6CDB7305}"/>
+                <a16:creationId xmlns="" xmlns:a16="http://schemas.microsoft.com/office/drawing/2014/main" id="{00129B43-68DA-48D9-8888-92FE6CDB7305}"/>
               </a:ext>
             </a:extLst>
           </p:cNvPr>
@@ -660,7 +660,7 @@
           <a:p>
             <a:fld id="{75489DF8-2009-40AB-A10C-0DFBA011A927}" type="datetimeFigureOut">
               <a:rPr lang="ko-KR" altLang="en-US" smtClean="0"/>
-              <a:t>2020-07-14</a:t>
+              <a:t>2020-07-22</a:t>
             </a:fld>
             <a:endParaRPr lang="ko-KR" altLang="en-US"/>
           </a:p>
@@ -671,7 +671,7 @@
           <p:cNvPr id="5" name="바닥글 개체 틀 4">
             <a:extLst>
               <a:ext uri="{FF2B5EF4-FFF2-40B4-BE49-F238E27FC236}">
-                <a16:creationId xmlns:a16="http://schemas.microsoft.com/office/drawing/2014/main" xmlns="" id="{F3429092-4805-424E-B0C7-638CF8088BD6}"/>
+                <a16:creationId xmlns="" xmlns:a16="http://schemas.microsoft.com/office/drawing/2014/main" id="{F3429092-4805-424E-B0C7-638CF8088BD6}"/>
               </a:ext>
             </a:extLst>
           </p:cNvPr>
@@ -696,7 +696,7 @@
           <p:cNvPr id="6" name="슬라이드 번호 개체 틀 5">
             <a:extLst>
               <a:ext uri="{FF2B5EF4-FFF2-40B4-BE49-F238E27FC236}">
-                <a16:creationId xmlns:a16="http://schemas.microsoft.com/office/drawing/2014/main" xmlns="" id="{9C997106-2259-4B93-B15E-0EE6CCA0D5B1}"/>
+                <a16:creationId xmlns="" xmlns:a16="http://schemas.microsoft.com/office/drawing/2014/main" id="{9C997106-2259-4B93-B15E-0EE6CCA0D5B1}"/>
               </a:ext>
             </a:extLst>
           </p:cNvPr>
@@ -755,7 +755,7 @@
           <p:cNvPr id="2" name="제목 1">
             <a:extLst>
               <a:ext uri="{FF2B5EF4-FFF2-40B4-BE49-F238E27FC236}">
-                <a16:creationId xmlns:a16="http://schemas.microsoft.com/office/drawing/2014/main" xmlns="" id="{0BFD7E67-A06B-4C5B-9AE7-64F7EF7BA9AA}"/>
+                <a16:creationId xmlns="" xmlns:a16="http://schemas.microsoft.com/office/drawing/2014/main" id="{0BFD7E67-A06B-4C5B-9AE7-64F7EF7BA9AA}"/>
               </a:ext>
             </a:extLst>
           </p:cNvPr>
@@ -783,7 +783,7 @@
           <p:cNvPr id="3" name="내용 개체 틀 2">
             <a:extLst>
               <a:ext uri="{FF2B5EF4-FFF2-40B4-BE49-F238E27FC236}">
-                <a16:creationId xmlns:a16="http://schemas.microsoft.com/office/drawing/2014/main" xmlns="" id="{1227F721-640F-4F53-AA01-441E964B66DB}"/>
+                <a16:creationId xmlns="" xmlns:a16="http://schemas.microsoft.com/office/drawing/2014/main" id="{1227F721-640F-4F53-AA01-441E964B66DB}"/>
               </a:ext>
             </a:extLst>
           </p:cNvPr>
@@ -840,7 +840,7 @@
           <p:cNvPr id="4" name="날짜 개체 틀 3">
             <a:extLst>
               <a:ext uri="{FF2B5EF4-FFF2-40B4-BE49-F238E27FC236}">
-                <a16:creationId xmlns:a16="http://schemas.microsoft.com/office/drawing/2014/main" xmlns="" id="{881B8056-D8CF-436A-9AED-D9411C7E2A64}"/>
+                <a16:creationId xmlns="" xmlns:a16="http://schemas.microsoft.com/office/drawing/2014/main" id="{881B8056-D8CF-436A-9AED-D9411C7E2A64}"/>
               </a:ext>
             </a:extLst>
           </p:cNvPr>
@@ -858,7 +858,7 @@
           <a:p>
             <a:fld id="{75489DF8-2009-40AB-A10C-0DFBA011A927}" type="datetimeFigureOut">
               <a:rPr lang="ko-KR" altLang="en-US" smtClean="0"/>
-              <a:t>2020-07-14</a:t>
+              <a:t>2020-07-22</a:t>
             </a:fld>
             <a:endParaRPr lang="ko-KR" altLang="en-US"/>
           </a:p>
@@ -869,7 +869,7 @@
           <p:cNvPr id="5" name="바닥글 개체 틀 4">
             <a:extLst>
               <a:ext uri="{FF2B5EF4-FFF2-40B4-BE49-F238E27FC236}">
-                <a16:creationId xmlns:a16="http://schemas.microsoft.com/office/drawing/2014/main" xmlns="" id="{E2C2964E-6767-418F-9F54-75B33B04E431}"/>
+                <a16:creationId xmlns="" xmlns:a16="http://schemas.microsoft.com/office/drawing/2014/main" id="{E2C2964E-6767-418F-9F54-75B33B04E431}"/>
               </a:ext>
             </a:extLst>
           </p:cNvPr>
@@ -894,7 +894,7 @@
           <p:cNvPr id="6" name="슬라이드 번호 개체 틀 5">
             <a:extLst>
               <a:ext uri="{FF2B5EF4-FFF2-40B4-BE49-F238E27FC236}">
-                <a16:creationId xmlns:a16="http://schemas.microsoft.com/office/drawing/2014/main" xmlns="" id="{4EDF4F66-ED5C-4730-9201-9761D783CF56}"/>
+                <a16:creationId xmlns="" xmlns:a16="http://schemas.microsoft.com/office/drawing/2014/main" id="{4EDF4F66-ED5C-4730-9201-9761D783CF56}"/>
               </a:ext>
             </a:extLst>
           </p:cNvPr>
@@ -953,7 +953,7 @@
           <p:cNvPr id="2" name="제목 1">
             <a:extLst>
               <a:ext uri="{FF2B5EF4-FFF2-40B4-BE49-F238E27FC236}">
-                <a16:creationId xmlns:a16="http://schemas.microsoft.com/office/drawing/2014/main" xmlns="" id="{B09C9724-026C-442A-AF90-07CEBC316F3F}"/>
+                <a16:creationId xmlns="" xmlns:a16="http://schemas.microsoft.com/office/drawing/2014/main" id="{B09C9724-026C-442A-AF90-07CEBC316F3F}"/>
               </a:ext>
             </a:extLst>
           </p:cNvPr>
@@ -990,7 +990,7 @@
           <p:cNvPr id="3" name="텍스트 개체 틀 2">
             <a:extLst>
               <a:ext uri="{FF2B5EF4-FFF2-40B4-BE49-F238E27FC236}">
-                <a16:creationId xmlns:a16="http://schemas.microsoft.com/office/drawing/2014/main" xmlns="" id="{9DABE6E5-89AD-4A8C-AAED-71579779A9D9}"/>
+                <a16:creationId xmlns="" xmlns:a16="http://schemas.microsoft.com/office/drawing/2014/main" id="{9DABE6E5-89AD-4A8C-AAED-71579779A9D9}"/>
               </a:ext>
             </a:extLst>
           </p:cNvPr>
@@ -1115,7 +1115,7 @@
           <p:cNvPr id="4" name="날짜 개체 틀 3">
             <a:extLst>
               <a:ext uri="{FF2B5EF4-FFF2-40B4-BE49-F238E27FC236}">
-                <a16:creationId xmlns:a16="http://schemas.microsoft.com/office/drawing/2014/main" xmlns="" id="{E73206F7-EE9D-4A80-A63C-B76A50D1581C}"/>
+                <a16:creationId xmlns="" xmlns:a16="http://schemas.microsoft.com/office/drawing/2014/main" id="{E73206F7-EE9D-4A80-A63C-B76A50D1581C}"/>
               </a:ext>
             </a:extLst>
           </p:cNvPr>
@@ -1133,7 +1133,7 @@
           <a:p>
             <a:fld id="{75489DF8-2009-40AB-A10C-0DFBA011A927}" type="datetimeFigureOut">
               <a:rPr lang="ko-KR" altLang="en-US" smtClean="0"/>
-              <a:t>2020-07-14</a:t>
+              <a:t>2020-07-22</a:t>
             </a:fld>
             <a:endParaRPr lang="ko-KR" altLang="en-US"/>
           </a:p>
@@ -1144,7 +1144,7 @@
           <p:cNvPr id="5" name="바닥글 개체 틀 4">
             <a:extLst>
               <a:ext uri="{FF2B5EF4-FFF2-40B4-BE49-F238E27FC236}">
-                <a16:creationId xmlns:a16="http://schemas.microsoft.com/office/drawing/2014/main" xmlns="" id="{A931FA74-C80E-4A89-B68B-332D2DF67AF2}"/>
+                <a16:creationId xmlns="" xmlns:a16="http://schemas.microsoft.com/office/drawing/2014/main" id="{A931FA74-C80E-4A89-B68B-332D2DF67AF2}"/>
               </a:ext>
             </a:extLst>
           </p:cNvPr>
@@ -1169,7 +1169,7 @@
           <p:cNvPr id="6" name="슬라이드 번호 개체 틀 5">
             <a:extLst>
               <a:ext uri="{FF2B5EF4-FFF2-40B4-BE49-F238E27FC236}">
-                <a16:creationId xmlns:a16="http://schemas.microsoft.com/office/drawing/2014/main" xmlns="" id="{E4E72758-E566-4311-8D8A-C06D6614F521}"/>
+                <a16:creationId xmlns="" xmlns:a16="http://schemas.microsoft.com/office/drawing/2014/main" id="{E4E72758-E566-4311-8D8A-C06D6614F521}"/>
               </a:ext>
             </a:extLst>
           </p:cNvPr>
@@ -1228,7 +1228,7 @@
           <p:cNvPr id="2" name="제목 1">
             <a:extLst>
               <a:ext uri="{FF2B5EF4-FFF2-40B4-BE49-F238E27FC236}">
-                <a16:creationId xmlns:a16="http://schemas.microsoft.com/office/drawing/2014/main" xmlns="" id="{5FCC2F9D-1D8F-47D9-85C3-C98C28012EC3}"/>
+                <a16:creationId xmlns="" xmlns:a16="http://schemas.microsoft.com/office/drawing/2014/main" id="{5FCC2F9D-1D8F-47D9-85C3-C98C28012EC3}"/>
               </a:ext>
             </a:extLst>
           </p:cNvPr>
@@ -1256,7 +1256,7 @@
           <p:cNvPr id="3" name="내용 개체 틀 2">
             <a:extLst>
               <a:ext uri="{FF2B5EF4-FFF2-40B4-BE49-F238E27FC236}">
-                <a16:creationId xmlns:a16="http://schemas.microsoft.com/office/drawing/2014/main" xmlns="" id="{5BA0AE39-7455-4936-A198-B3FAF2B4090B}"/>
+                <a16:creationId xmlns="" xmlns:a16="http://schemas.microsoft.com/office/drawing/2014/main" id="{5BA0AE39-7455-4936-A198-B3FAF2B4090B}"/>
               </a:ext>
             </a:extLst>
           </p:cNvPr>
@@ -1318,7 +1318,7 @@
           <p:cNvPr id="4" name="내용 개체 틀 3">
             <a:extLst>
               <a:ext uri="{FF2B5EF4-FFF2-40B4-BE49-F238E27FC236}">
-                <a16:creationId xmlns:a16="http://schemas.microsoft.com/office/drawing/2014/main" xmlns="" id="{C743016B-D341-45A6-8E86-57011846358F}"/>
+                <a16:creationId xmlns="" xmlns:a16="http://schemas.microsoft.com/office/drawing/2014/main" id="{C743016B-D341-45A6-8E86-57011846358F}"/>
               </a:ext>
             </a:extLst>
           </p:cNvPr>
@@ -1380,7 +1380,7 @@
           <p:cNvPr id="5" name="날짜 개체 틀 4">
             <a:extLst>
               <a:ext uri="{FF2B5EF4-FFF2-40B4-BE49-F238E27FC236}">
-                <a16:creationId xmlns:a16="http://schemas.microsoft.com/office/drawing/2014/main" xmlns="" id="{5CC0F513-A4E1-4D4E-B66A-9ACC9F97518D}"/>
+                <a16:creationId xmlns="" xmlns:a16="http://schemas.microsoft.com/office/drawing/2014/main" id="{5CC0F513-A4E1-4D4E-B66A-9ACC9F97518D}"/>
               </a:ext>
             </a:extLst>
           </p:cNvPr>
@@ -1398,7 +1398,7 @@
           <a:p>
             <a:fld id="{75489DF8-2009-40AB-A10C-0DFBA011A927}" type="datetimeFigureOut">
               <a:rPr lang="ko-KR" altLang="en-US" smtClean="0"/>
-              <a:t>2020-07-14</a:t>
+              <a:t>2020-07-22</a:t>
             </a:fld>
             <a:endParaRPr lang="ko-KR" altLang="en-US"/>
           </a:p>
@@ -1409,7 +1409,7 @@
           <p:cNvPr id="6" name="바닥글 개체 틀 5">
             <a:extLst>
               <a:ext uri="{FF2B5EF4-FFF2-40B4-BE49-F238E27FC236}">
-                <a16:creationId xmlns:a16="http://schemas.microsoft.com/office/drawing/2014/main" xmlns="" id="{C34A0591-9A7C-4EE8-A4EA-FD45524A09B2}"/>
+                <a16:creationId xmlns="" xmlns:a16="http://schemas.microsoft.com/office/drawing/2014/main" id="{C34A0591-9A7C-4EE8-A4EA-FD45524A09B2}"/>
               </a:ext>
             </a:extLst>
           </p:cNvPr>
@@ -1434,7 +1434,7 @@
           <p:cNvPr id="7" name="슬라이드 번호 개체 틀 6">
             <a:extLst>
               <a:ext uri="{FF2B5EF4-FFF2-40B4-BE49-F238E27FC236}">
-                <a16:creationId xmlns:a16="http://schemas.microsoft.com/office/drawing/2014/main" xmlns="" id="{23E9FD8D-F38F-4329-B81F-85220833DB61}"/>
+                <a16:creationId xmlns="" xmlns:a16="http://schemas.microsoft.com/office/drawing/2014/main" id="{23E9FD8D-F38F-4329-B81F-85220833DB61}"/>
               </a:ext>
             </a:extLst>
           </p:cNvPr>
@@ -1493,7 +1493,7 @@
           <p:cNvPr id="2" name="제목 1">
             <a:extLst>
               <a:ext uri="{FF2B5EF4-FFF2-40B4-BE49-F238E27FC236}">
-                <a16:creationId xmlns:a16="http://schemas.microsoft.com/office/drawing/2014/main" xmlns="" id="{2564160F-D3FF-4F77-9FC3-89206708F969}"/>
+                <a16:creationId xmlns="" xmlns:a16="http://schemas.microsoft.com/office/drawing/2014/main" id="{2564160F-D3FF-4F77-9FC3-89206708F969}"/>
               </a:ext>
             </a:extLst>
           </p:cNvPr>
@@ -1526,7 +1526,7 @@
           <p:cNvPr id="3" name="텍스트 개체 틀 2">
             <a:extLst>
               <a:ext uri="{FF2B5EF4-FFF2-40B4-BE49-F238E27FC236}">
-                <a16:creationId xmlns:a16="http://schemas.microsoft.com/office/drawing/2014/main" xmlns="" id="{CF3FA8B8-36F7-4810-9220-4280024EF135}"/>
+                <a16:creationId xmlns="" xmlns:a16="http://schemas.microsoft.com/office/drawing/2014/main" id="{CF3FA8B8-36F7-4810-9220-4280024EF135}"/>
               </a:ext>
             </a:extLst>
           </p:cNvPr>
@@ -1597,7 +1597,7 @@
           <p:cNvPr id="4" name="내용 개체 틀 3">
             <a:extLst>
               <a:ext uri="{FF2B5EF4-FFF2-40B4-BE49-F238E27FC236}">
-                <a16:creationId xmlns:a16="http://schemas.microsoft.com/office/drawing/2014/main" xmlns="" id="{48F9A254-8E1B-4E23-8627-D98EB95A09A9}"/>
+                <a16:creationId xmlns="" xmlns:a16="http://schemas.microsoft.com/office/drawing/2014/main" id="{48F9A254-8E1B-4E23-8627-D98EB95A09A9}"/>
               </a:ext>
             </a:extLst>
           </p:cNvPr>
@@ -1659,7 +1659,7 @@
           <p:cNvPr id="5" name="텍스트 개체 틀 4">
             <a:extLst>
               <a:ext uri="{FF2B5EF4-FFF2-40B4-BE49-F238E27FC236}">
-                <a16:creationId xmlns:a16="http://schemas.microsoft.com/office/drawing/2014/main" xmlns="" id="{E16C803A-3880-4BCA-8212-41EF606110F4}"/>
+                <a16:creationId xmlns="" xmlns:a16="http://schemas.microsoft.com/office/drawing/2014/main" id="{E16C803A-3880-4BCA-8212-41EF606110F4}"/>
               </a:ext>
             </a:extLst>
           </p:cNvPr>
@@ -1730,7 +1730,7 @@
           <p:cNvPr id="6" name="내용 개체 틀 5">
             <a:extLst>
               <a:ext uri="{FF2B5EF4-FFF2-40B4-BE49-F238E27FC236}">
-                <a16:creationId xmlns:a16="http://schemas.microsoft.com/office/drawing/2014/main" xmlns="" id="{F39051A1-A21B-4D72-B461-E36140DFB6DE}"/>
+                <a16:creationId xmlns="" xmlns:a16="http://schemas.microsoft.com/office/drawing/2014/main" id="{F39051A1-A21B-4D72-B461-E36140DFB6DE}"/>
               </a:ext>
             </a:extLst>
           </p:cNvPr>
@@ -1792,7 +1792,7 @@
           <p:cNvPr id="7" name="날짜 개체 틀 6">
             <a:extLst>
               <a:ext uri="{FF2B5EF4-FFF2-40B4-BE49-F238E27FC236}">
-                <a16:creationId xmlns:a16="http://schemas.microsoft.com/office/drawing/2014/main" xmlns="" id="{002C7774-A382-4ED8-9218-76A6F51D4627}"/>
+                <a16:creationId xmlns="" xmlns:a16="http://schemas.microsoft.com/office/drawing/2014/main" id="{002C7774-A382-4ED8-9218-76A6F51D4627}"/>
               </a:ext>
             </a:extLst>
           </p:cNvPr>
@@ -1810,7 +1810,7 @@
           <a:p>
             <a:fld id="{75489DF8-2009-40AB-A10C-0DFBA011A927}" type="datetimeFigureOut">
               <a:rPr lang="ko-KR" altLang="en-US" smtClean="0"/>
-              <a:t>2020-07-14</a:t>
+              <a:t>2020-07-22</a:t>
             </a:fld>
             <a:endParaRPr lang="ko-KR" altLang="en-US"/>
           </a:p>
@@ -1821,7 +1821,7 @@
           <p:cNvPr id="8" name="바닥글 개체 틀 7">
             <a:extLst>
               <a:ext uri="{FF2B5EF4-FFF2-40B4-BE49-F238E27FC236}">
-                <a16:creationId xmlns:a16="http://schemas.microsoft.com/office/drawing/2014/main" xmlns="" id="{7E5C38F8-2AC3-4C31-98C6-0DD1C532842D}"/>
+                <a16:creationId xmlns="" xmlns:a16="http://schemas.microsoft.com/office/drawing/2014/main" id="{7E5C38F8-2AC3-4C31-98C6-0DD1C532842D}"/>
               </a:ext>
             </a:extLst>
           </p:cNvPr>
@@ -1846,7 +1846,7 @@
           <p:cNvPr id="9" name="슬라이드 번호 개체 틀 8">
             <a:extLst>
               <a:ext uri="{FF2B5EF4-FFF2-40B4-BE49-F238E27FC236}">
-                <a16:creationId xmlns:a16="http://schemas.microsoft.com/office/drawing/2014/main" xmlns="" id="{2104F968-38D8-4F93-8960-052A57791D24}"/>
+                <a16:creationId xmlns="" xmlns:a16="http://schemas.microsoft.com/office/drawing/2014/main" id="{2104F968-38D8-4F93-8960-052A57791D24}"/>
               </a:ext>
             </a:extLst>
           </p:cNvPr>
@@ -1905,7 +1905,7 @@
           <p:cNvPr id="2" name="제목 1">
             <a:extLst>
               <a:ext uri="{FF2B5EF4-FFF2-40B4-BE49-F238E27FC236}">
-                <a16:creationId xmlns:a16="http://schemas.microsoft.com/office/drawing/2014/main" xmlns="" id="{7D388307-4EF4-4085-8511-C480A8C3D3B9}"/>
+                <a16:creationId xmlns="" xmlns:a16="http://schemas.microsoft.com/office/drawing/2014/main" id="{7D388307-4EF4-4085-8511-C480A8C3D3B9}"/>
               </a:ext>
             </a:extLst>
           </p:cNvPr>
@@ -1933,7 +1933,7 @@
           <p:cNvPr id="3" name="날짜 개체 틀 2">
             <a:extLst>
               <a:ext uri="{FF2B5EF4-FFF2-40B4-BE49-F238E27FC236}">
-                <a16:creationId xmlns:a16="http://schemas.microsoft.com/office/drawing/2014/main" xmlns="" id="{5645682D-3256-4BD1-A1B2-F503F69840A9}"/>
+                <a16:creationId xmlns="" xmlns:a16="http://schemas.microsoft.com/office/drawing/2014/main" id="{5645682D-3256-4BD1-A1B2-F503F69840A9}"/>
               </a:ext>
             </a:extLst>
           </p:cNvPr>
@@ -1951,7 +1951,7 @@
           <a:p>
             <a:fld id="{75489DF8-2009-40AB-A10C-0DFBA011A927}" type="datetimeFigureOut">
               <a:rPr lang="ko-KR" altLang="en-US" smtClean="0"/>
-              <a:t>2020-07-14</a:t>
+              <a:t>2020-07-22</a:t>
             </a:fld>
             <a:endParaRPr lang="ko-KR" altLang="en-US"/>
           </a:p>
@@ -1962,7 +1962,7 @@
           <p:cNvPr id="4" name="바닥글 개체 틀 3">
             <a:extLst>
               <a:ext uri="{FF2B5EF4-FFF2-40B4-BE49-F238E27FC236}">
-                <a16:creationId xmlns:a16="http://schemas.microsoft.com/office/drawing/2014/main" xmlns="" id="{BFCD2673-7105-4A3B-95C8-F9AE61261B04}"/>
+                <a16:creationId xmlns="" xmlns:a16="http://schemas.microsoft.com/office/drawing/2014/main" id="{BFCD2673-7105-4A3B-95C8-F9AE61261B04}"/>
               </a:ext>
             </a:extLst>
           </p:cNvPr>
@@ -1987,7 +1987,7 @@
           <p:cNvPr id="5" name="슬라이드 번호 개체 틀 4">
             <a:extLst>
               <a:ext uri="{FF2B5EF4-FFF2-40B4-BE49-F238E27FC236}">
-                <a16:creationId xmlns:a16="http://schemas.microsoft.com/office/drawing/2014/main" xmlns="" id="{CE83ABE7-E6CF-4DC6-8886-3FDE0B9FA5E2}"/>
+                <a16:creationId xmlns="" xmlns:a16="http://schemas.microsoft.com/office/drawing/2014/main" id="{CE83ABE7-E6CF-4DC6-8886-3FDE0B9FA5E2}"/>
               </a:ext>
             </a:extLst>
           </p:cNvPr>
@@ -2046,7 +2046,7 @@
           <p:cNvPr id="2" name="날짜 개체 틀 1">
             <a:extLst>
               <a:ext uri="{FF2B5EF4-FFF2-40B4-BE49-F238E27FC236}">
-                <a16:creationId xmlns:a16="http://schemas.microsoft.com/office/drawing/2014/main" xmlns="" id="{D1DEBAB4-ACC3-4F6A-8CD6-E1396377EFF5}"/>
+                <a16:creationId xmlns="" xmlns:a16="http://schemas.microsoft.com/office/drawing/2014/main" id="{D1DEBAB4-ACC3-4F6A-8CD6-E1396377EFF5}"/>
               </a:ext>
             </a:extLst>
           </p:cNvPr>
@@ -2064,7 +2064,7 @@
           <a:p>
             <a:fld id="{75489DF8-2009-40AB-A10C-0DFBA011A927}" type="datetimeFigureOut">
               <a:rPr lang="ko-KR" altLang="en-US" smtClean="0"/>
-              <a:t>2020-07-14</a:t>
+              <a:t>2020-07-22</a:t>
             </a:fld>
             <a:endParaRPr lang="ko-KR" altLang="en-US"/>
           </a:p>
@@ -2075,7 +2075,7 @@
           <p:cNvPr id="3" name="바닥글 개체 틀 2">
             <a:extLst>
               <a:ext uri="{FF2B5EF4-FFF2-40B4-BE49-F238E27FC236}">
-                <a16:creationId xmlns:a16="http://schemas.microsoft.com/office/drawing/2014/main" xmlns="" id="{4ED14C8D-E9CA-421A-A100-7CB91B96C7C4}"/>
+                <a16:creationId xmlns="" xmlns:a16="http://schemas.microsoft.com/office/drawing/2014/main" id="{4ED14C8D-E9CA-421A-A100-7CB91B96C7C4}"/>
               </a:ext>
             </a:extLst>
           </p:cNvPr>
@@ -2100,7 +2100,7 @@
           <p:cNvPr id="4" name="슬라이드 번호 개체 틀 3">
             <a:extLst>
               <a:ext uri="{FF2B5EF4-FFF2-40B4-BE49-F238E27FC236}">
-                <a16:creationId xmlns:a16="http://schemas.microsoft.com/office/drawing/2014/main" xmlns="" id="{9D351803-06D3-49E9-AE4E-0A2B07CD9D7A}"/>
+                <a16:creationId xmlns="" xmlns:a16="http://schemas.microsoft.com/office/drawing/2014/main" id="{9D351803-06D3-49E9-AE4E-0A2B07CD9D7A}"/>
               </a:ext>
             </a:extLst>
           </p:cNvPr>
@@ -2159,7 +2159,7 @@
           <p:cNvPr id="2" name="제목 1">
             <a:extLst>
               <a:ext uri="{FF2B5EF4-FFF2-40B4-BE49-F238E27FC236}">
-                <a16:creationId xmlns:a16="http://schemas.microsoft.com/office/drawing/2014/main" xmlns="" id="{C2E553FF-9247-41F3-95D8-DB3CB8DF89C0}"/>
+                <a16:creationId xmlns="" xmlns:a16="http://schemas.microsoft.com/office/drawing/2014/main" id="{C2E553FF-9247-41F3-95D8-DB3CB8DF89C0}"/>
               </a:ext>
             </a:extLst>
           </p:cNvPr>
@@ -2196,7 +2196,7 @@
           <p:cNvPr id="3" name="내용 개체 틀 2">
             <a:extLst>
               <a:ext uri="{FF2B5EF4-FFF2-40B4-BE49-F238E27FC236}">
-                <a16:creationId xmlns:a16="http://schemas.microsoft.com/office/drawing/2014/main" xmlns="" id="{44E5F4F8-BF27-41B1-B4E5-A24206030E44}"/>
+                <a16:creationId xmlns="" xmlns:a16="http://schemas.microsoft.com/office/drawing/2014/main" id="{44E5F4F8-BF27-41B1-B4E5-A24206030E44}"/>
               </a:ext>
             </a:extLst>
           </p:cNvPr>
@@ -2286,7 +2286,7 @@
           <p:cNvPr id="4" name="텍스트 개체 틀 3">
             <a:extLst>
               <a:ext uri="{FF2B5EF4-FFF2-40B4-BE49-F238E27FC236}">
-                <a16:creationId xmlns:a16="http://schemas.microsoft.com/office/drawing/2014/main" xmlns="" id="{2AB11B5F-E1A1-42DB-B56E-B8018A596CAC}"/>
+                <a16:creationId xmlns="" xmlns:a16="http://schemas.microsoft.com/office/drawing/2014/main" id="{2AB11B5F-E1A1-42DB-B56E-B8018A596CAC}"/>
               </a:ext>
             </a:extLst>
           </p:cNvPr>
@@ -2357,7 +2357,7 @@
           <p:cNvPr id="5" name="날짜 개체 틀 4">
             <a:extLst>
               <a:ext uri="{FF2B5EF4-FFF2-40B4-BE49-F238E27FC236}">
-                <a16:creationId xmlns:a16="http://schemas.microsoft.com/office/drawing/2014/main" xmlns="" id="{4669BB16-023B-4160-BEE5-5984C802BCBA}"/>
+                <a16:creationId xmlns="" xmlns:a16="http://schemas.microsoft.com/office/drawing/2014/main" id="{4669BB16-023B-4160-BEE5-5984C802BCBA}"/>
               </a:ext>
             </a:extLst>
           </p:cNvPr>
@@ -2375,7 +2375,7 @@
           <a:p>
             <a:fld id="{75489DF8-2009-40AB-A10C-0DFBA011A927}" type="datetimeFigureOut">
               <a:rPr lang="ko-KR" altLang="en-US" smtClean="0"/>
-              <a:t>2020-07-14</a:t>
+              <a:t>2020-07-22</a:t>
             </a:fld>
             <a:endParaRPr lang="ko-KR" altLang="en-US"/>
           </a:p>
@@ -2386,7 +2386,7 @@
           <p:cNvPr id="6" name="바닥글 개체 틀 5">
             <a:extLst>
               <a:ext uri="{FF2B5EF4-FFF2-40B4-BE49-F238E27FC236}">
-                <a16:creationId xmlns:a16="http://schemas.microsoft.com/office/drawing/2014/main" xmlns="" id="{B4833FD5-5F7D-4AA0-B9E2-7C1E0985A9FE}"/>
+                <a16:creationId xmlns="" xmlns:a16="http://schemas.microsoft.com/office/drawing/2014/main" id="{B4833FD5-5F7D-4AA0-B9E2-7C1E0985A9FE}"/>
               </a:ext>
             </a:extLst>
           </p:cNvPr>
@@ -2411,7 +2411,7 @@
           <p:cNvPr id="7" name="슬라이드 번호 개체 틀 6">
             <a:extLst>
               <a:ext uri="{FF2B5EF4-FFF2-40B4-BE49-F238E27FC236}">
-                <a16:creationId xmlns:a16="http://schemas.microsoft.com/office/drawing/2014/main" xmlns="" id="{97A2CC0E-9C4B-4291-80C9-067F0EB3202C}"/>
+                <a16:creationId xmlns="" xmlns:a16="http://schemas.microsoft.com/office/drawing/2014/main" id="{97A2CC0E-9C4B-4291-80C9-067F0EB3202C}"/>
               </a:ext>
             </a:extLst>
           </p:cNvPr>
@@ -2470,7 +2470,7 @@
           <p:cNvPr id="2" name="제목 1">
             <a:extLst>
               <a:ext uri="{FF2B5EF4-FFF2-40B4-BE49-F238E27FC236}">
-                <a16:creationId xmlns:a16="http://schemas.microsoft.com/office/drawing/2014/main" xmlns="" id="{EDAED991-3098-440B-BFDA-37D400E47245}"/>
+                <a16:creationId xmlns="" xmlns:a16="http://schemas.microsoft.com/office/drawing/2014/main" id="{EDAED991-3098-440B-BFDA-37D400E47245}"/>
               </a:ext>
             </a:extLst>
           </p:cNvPr>
@@ -2507,7 +2507,7 @@
           <p:cNvPr id="3" name="그림 개체 틀 2">
             <a:extLst>
               <a:ext uri="{FF2B5EF4-FFF2-40B4-BE49-F238E27FC236}">
-                <a16:creationId xmlns:a16="http://schemas.microsoft.com/office/drawing/2014/main" xmlns="" id="{8E7D07BE-60D3-4D69-A519-681DA0573D37}"/>
+                <a16:creationId xmlns="" xmlns:a16="http://schemas.microsoft.com/office/drawing/2014/main" id="{8E7D07BE-60D3-4D69-A519-681DA0573D37}"/>
               </a:ext>
             </a:extLst>
           </p:cNvPr>
@@ -2574,7 +2574,7 @@
           <p:cNvPr id="4" name="텍스트 개체 틀 3">
             <a:extLst>
               <a:ext uri="{FF2B5EF4-FFF2-40B4-BE49-F238E27FC236}">
-                <a16:creationId xmlns:a16="http://schemas.microsoft.com/office/drawing/2014/main" xmlns="" id="{BDD06718-5D54-45DA-926B-E9A8FF8DD9A5}"/>
+                <a16:creationId xmlns="" xmlns:a16="http://schemas.microsoft.com/office/drawing/2014/main" id="{BDD06718-5D54-45DA-926B-E9A8FF8DD9A5}"/>
               </a:ext>
             </a:extLst>
           </p:cNvPr>
@@ -2645,7 +2645,7 @@
           <p:cNvPr id="5" name="날짜 개체 틀 4">
             <a:extLst>
               <a:ext uri="{FF2B5EF4-FFF2-40B4-BE49-F238E27FC236}">
-                <a16:creationId xmlns:a16="http://schemas.microsoft.com/office/drawing/2014/main" xmlns="" id="{7BD79F5B-D9AA-407C-AB0E-75D196169EF9}"/>
+                <a16:creationId xmlns="" xmlns:a16="http://schemas.microsoft.com/office/drawing/2014/main" id="{7BD79F5B-D9AA-407C-AB0E-75D196169EF9}"/>
               </a:ext>
             </a:extLst>
           </p:cNvPr>
@@ -2663,7 +2663,7 @@
           <a:p>
             <a:fld id="{75489DF8-2009-40AB-A10C-0DFBA011A927}" type="datetimeFigureOut">
               <a:rPr lang="ko-KR" altLang="en-US" smtClean="0"/>
-              <a:t>2020-07-14</a:t>
+              <a:t>2020-07-22</a:t>
             </a:fld>
             <a:endParaRPr lang="ko-KR" altLang="en-US"/>
           </a:p>
@@ -2674,7 +2674,7 @@
           <p:cNvPr id="6" name="바닥글 개체 틀 5">
             <a:extLst>
               <a:ext uri="{FF2B5EF4-FFF2-40B4-BE49-F238E27FC236}">
-                <a16:creationId xmlns:a16="http://schemas.microsoft.com/office/drawing/2014/main" xmlns="" id="{07AB8C5F-C0C3-4CBB-98EF-9236434A80D8}"/>
+                <a16:creationId xmlns="" xmlns:a16="http://schemas.microsoft.com/office/drawing/2014/main" id="{07AB8C5F-C0C3-4CBB-98EF-9236434A80D8}"/>
               </a:ext>
             </a:extLst>
           </p:cNvPr>
@@ -2699,7 +2699,7 @@
           <p:cNvPr id="7" name="슬라이드 번호 개체 틀 6">
             <a:extLst>
               <a:ext uri="{FF2B5EF4-FFF2-40B4-BE49-F238E27FC236}">
-                <a16:creationId xmlns:a16="http://schemas.microsoft.com/office/drawing/2014/main" xmlns="" id="{270D1F4E-C3C8-4B86-B233-52F16447C696}"/>
+                <a16:creationId xmlns="" xmlns:a16="http://schemas.microsoft.com/office/drawing/2014/main" id="{270D1F4E-C3C8-4B86-B233-52F16447C696}"/>
               </a:ext>
             </a:extLst>
           </p:cNvPr>
@@ -2763,7 +2763,7 @@
           <p:cNvPr id="2" name="제목 개체 틀 1">
             <a:extLst>
               <a:ext uri="{FF2B5EF4-FFF2-40B4-BE49-F238E27FC236}">
-                <a16:creationId xmlns:a16="http://schemas.microsoft.com/office/drawing/2014/main" xmlns="" id="{310B64D0-3CF9-4C3B-A4B9-BCC335C748F5}"/>
+                <a16:creationId xmlns="" xmlns:a16="http://schemas.microsoft.com/office/drawing/2014/main" id="{310B64D0-3CF9-4C3B-A4B9-BCC335C748F5}"/>
               </a:ext>
             </a:extLst>
           </p:cNvPr>
@@ -2801,7 +2801,7 @@
           <p:cNvPr id="3" name="텍스트 개체 틀 2">
             <a:extLst>
               <a:ext uri="{FF2B5EF4-FFF2-40B4-BE49-F238E27FC236}">
-                <a16:creationId xmlns:a16="http://schemas.microsoft.com/office/drawing/2014/main" xmlns="" id="{512ADA7B-42B8-4456-A85B-96C465C63545}"/>
+                <a16:creationId xmlns="" xmlns:a16="http://schemas.microsoft.com/office/drawing/2014/main" id="{512ADA7B-42B8-4456-A85B-96C465C63545}"/>
               </a:ext>
             </a:extLst>
           </p:cNvPr>
@@ -2868,7 +2868,7 @@
           <p:cNvPr id="4" name="날짜 개체 틀 3">
             <a:extLst>
               <a:ext uri="{FF2B5EF4-FFF2-40B4-BE49-F238E27FC236}">
-                <a16:creationId xmlns:a16="http://schemas.microsoft.com/office/drawing/2014/main" xmlns="" id="{79589B9C-3ADE-4712-B590-7DE58B609DF2}"/>
+                <a16:creationId xmlns="" xmlns:a16="http://schemas.microsoft.com/office/drawing/2014/main" id="{79589B9C-3ADE-4712-B590-7DE58B609DF2}"/>
               </a:ext>
             </a:extLst>
           </p:cNvPr>
@@ -2904,7 +2904,7 @@
           <a:p>
             <a:fld id="{75489DF8-2009-40AB-A10C-0DFBA011A927}" type="datetimeFigureOut">
               <a:rPr lang="ko-KR" altLang="en-US" smtClean="0"/>
-              <a:t>2020-07-14</a:t>
+              <a:t>2020-07-22</a:t>
             </a:fld>
             <a:endParaRPr lang="ko-KR" altLang="en-US"/>
           </a:p>
@@ -2915,7 +2915,7 @@
           <p:cNvPr id="5" name="바닥글 개체 틀 4">
             <a:extLst>
               <a:ext uri="{FF2B5EF4-FFF2-40B4-BE49-F238E27FC236}">
-                <a16:creationId xmlns:a16="http://schemas.microsoft.com/office/drawing/2014/main" xmlns="" id="{C68265DD-8840-44F0-BD2C-32F15118B182}"/>
+                <a16:creationId xmlns="" xmlns:a16="http://schemas.microsoft.com/office/drawing/2014/main" id="{C68265DD-8840-44F0-BD2C-32F15118B182}"/>
               </a:ext>
             </a:extLst>
           </p:cNvPr>
@@ -2958,7 +2958,7 @@
           <p:cNvPr id="6" name="슬라이드 번호 개체 틀 5">
             <a:extLst>
               <a:ext uri="{FF2B5EF4-FFF2-40B4-BE49-F238E27FC236}">
-                <a16:creationId xmlns:a16="http://schemas.microsoft.com/office/drawing/2014/main" xmlns="" id="{819E21C4-F52E-41E2-82AC-78E93F332BD3}"/>
+                <a16:creationId xmlns="" xmlns:a16="http://schemas.microsoft.com/office/drawing/2014/main" id="{819E21C4-F52E-41E2-82AC-78E93F332BD3}"/>
               </a:ext>
             </a:extLst>
           </p:cNvPr>
@@ -3326,7 +3326,7 @@
           <p:cNvPr id="4" name="표 4">
             <a:extLst>
               <a:ext uri="{FF2B5EF4-FFF2-40B4-BE49-F238E27FC236}">
-                <a16:creationId xmlns:a16="http://schemas.microsoft.com/office/drawing/2014/main" xmlns="" id="{CAB5A504-CB84-433A-B719-26180797220A}"/>
+                <a16:creationId xmlns="" xmlns:a16="http://schemas.microsoft.com/office/drawing/2014/main" id="{CAB5A504-CB84-433A-B719-26180797220A}"/>
               </a:ext>
             </a:extLst>
           </p:cNvPr>
@@ -3336,7 +3336,7 @@
           <p:nvPr>
             <p:extLst>
               <p:ext uri="{D42A27DB-BD31-4B8C-83A1-F6EECF244321}">
-                <p14:modId xmlns:p14="http://schemas.microsoft.com/office/powerpoint/2010/main" val="1918923955"/>
+                <p14:modId xmlns:p14="http://schemas.microsoft.com/office/powerpoint/2010/main" val="239006078"/>
               </p:ext>
             </p:extLst>
           </p:nvPr>
@@ -3355,35 +3355,35 @@
                 <a:gridCol w="2438400">
                   <a:extLst>
                     <a:ext uri="{9D8B030D-6E8A-4147-A177-3AD203B41FA5}">
-                      <a16:colId xmlns:a16="http://schemas.microsoft.com/office/drawing/2014/main" xmlns="" val="1674923353"/>
+                      <a16:colId xmlns="" xmlns:a16="http://schemas.microsoft.com/office/drawing/2014/main" val="1674923353"/>
                     </a:ext>
                   </a:extLst>
                 </a:gridCol>
                 <a:gridCol w="2438400">
                   <a:extLst>
                     <a:ext uri="{9D8B030D-6E8A-4147-A177-3AD203B41FA5}">
-                      <a16:colId xmlns:a16="http://schemas.microsoft.com/office/drawing/2014/main" xmlns="" val="1324629748"/>
+                      <a16:colId xmlns="" xmlns:a16="http://schemas.microsoft.com/office/drawing/2014/main" val="1324629748"/>
                     </a:ext>
                   </a:extLst>
                 </a:gridCol>
                 <a:gridCol w="2438400">
                   <a:extLst>
                     <a:ext uri="{9D8B030D-6E8A-4147-A177-3AD203B41FA5}">
-                      <a16:colId xmlns:a16="http://schemas.microsoft.com/office/drawing/2014/main" xmlns="" val="1350394048"/>
+                      <a16:colId xmlns="" xmlns:a16="http://schemas.microsoft.com/office/drawing/2014/main" val="1350394048"/>
                     </a:ext>
                   </a:extLst>
                 </a:gridCol>
                 <a:gridCol w="2438400">
                   <a:extLst>
                     <a:ext uri="{9D8B030D-6E8A-4147-A177-3AD203B41FA5}">
-                      <a16:colId xmlns:a16="http://schemas.microsoft.com/office/drawing/2014/main" xmlns="" val="2294021861"/>
+                      <a16:colId xmlns="" xmlns:a16="http://schemas.microsoft.com/office/drawing/2014/main" val="2294021861"/>
                     </a:ext>
                   </a:extLst>
                 </a:gridCol>
                 <a:gridCol w="2438400">
                   <a:extLst>
                     <a:ext uri="{9D8B030D-6E8A-4147-A177-3AD203B41FA5}">
-                      <a16:colId xmlns:a16="http://schemas.microsoft.com/office/drawing/2014/main" xmlns="" val="3364177149"/>
+                      <a16:colId xmlns="" xmlns:a16="http://schemas.microsoft.com/office/drawing/2014/main" val="3364177149"/>
                     </a:ext>
                   </a:extLst>
                 </a:gridCol>
@@ -3473,7 +3473,7 @@
                 </a:tc>
                 <a:extLst>
                   <a:ext uri="{0D108BD9-81ED-4DB2-BD59-A6C34878D82A}">
-                    <a16:rowId xmlns:a16="http://schemas.microsoft.com/office/drawing/2014/main" xmlns="" val="358643750"/>
+                    <a16:rowId xmlns="" xmlns:a16="http://schemas.microsoft.com/office/drawing/2014/main" val="358643750"/>
                   </a:ext>
                 </a:extLst>
               </a:tr>
@@ -3571,7 +3571,7 @@
                 </a:tc>
                 <a:extLst>
                   <a:ext uri="{0D108BD9-81ED-4DB2-BD59-A6C34878D82A}">
-                    <a16:rowId xmlns:a16="http://schemas.microsoft.com/office/drawing/2014/main" xmlns="" val="409650485"/>
+                    <a16:rowId xmlns="" xmlns:a16="http://schemas.microsoft.com/office/drawing/2014/main" val="409650485"/>
                   </a:ext>
                 </a:extLst>
               </a:tr>
@@ -3649,7 +3649,7 @@
                 </a:tc>
                 <a:extLst>
                   <a:ext uri="{0D108BD9-81ED-4DB2-BD59-A6C34878D82A}">
-                    <a16:rowId xmlns:a16="http://schemas.microsoft.com/office/drawing/2014/main" xmlns="" val="2790940379"/>
+                    <a16:rowId xmlns="" xmlns:a16="http://schemas.microsoft.com/office/drawing/2014/main" val="2790940379"/>
                   </a:ext>
                 </a:extLst>
               </a:tr>
@@ -3727,7 +3727,7 @@
                 </a:tc>
                 <a:extLst>
                   <a:ext uri="{0D108BD9-81ED-4DB2-BD59-A6C34878D82A}">
-                    <a16:rowId xmlns:a16="http://schemas.microsoft.com/office/drawing/2014/main" xmlns="" val="2678967579"/>
+                    <a16:rowId xmlns="" xmlns:a16="http://schemas.microsoft.com/office/drawing/2014/main" val="2678967579"/>
                   </a:ext>
                 </a:extLst>
               </a:tr>
@@ -3825,7 +3825,7 @@
                 </a:tc>
                 <a:extLst>
                   <a:ext uri="{0D108BD9-81ED-4DB2-BD59-A6C34878D82A}">
-                    <a16:rowId xmlns:a16="http://schemas.microsoft.com/office/drawing/2014/main" xmlns="" val="3286132060"/>
+                    <a16:rowId xmlns="" xmlns:a16="http://schemas.microsoft.com/office/drawing/2014/main" val="3286132060"/>
                   </a:ext>
                 </a:extLst>
               </a:tr>
@@ -3923,7 +3923,7 @@
                 </a:tc>
                 <a:extLst>
                   <a:ext uri="{0D108BD9-81ED-4DB2-BD59-A6C34878D82A}">
-                    <a16:rowId xmlns:a16="http://schemas.microsoft.com/office/drawing/2014/main" xmlns="" val="872581322"/>
+                    <a16:rowId xmlns="" xmlns:a16="http://schemas.microsoft.com/office/drawing/2014/main" val="872581322"/>
                   </a:ext>
                 </a:extLst>
               </a:tr>
@@ -3974,7 +3974,7 @@
                       <a:pPr algn="ctr" latinLnBrk="1"/>
                       <a:r>
                         <a:rPr lang="en-US" altLang="ko-KR" sz="2400" smtClean="0"/>
-                        <a:t>L2(Switch</a:t>
+                        <a:t>L2(Switch)</a:t>
                       </a:r>
                       <a:endParaRPr lang="ko-KR" altLang="en-US" sz="2400"/>
                     </a:p>
@@ -4021,7 +4021,7 @@
                 </a:tc>
                 <a:extLst>
                   <a:ext uri="{0D108BD9-81ED-4DB2-BD59-A6C34878D82A}">
-                    <a16:rowId xmlns:a16="http://schemas.microsoft.com/office/drawing/2014/main" xmlns="" val="2294654746"/>
+                    <a16:rowId xmlns="" xmlns:a16="http://schemas.microsoft.com/office/drawing/2014/main" val="2294654746"/>
                   </a:ext>
                 </a:extLst>
               </a:tr>
@@ -4070,6 +4070,10 @@
                     <a:lstStyle/>
                     <a:p>
                       <a:pPr algn="ctr" latinLnBrk="1"/>
+                      <a:r>
+                        <a:rPr lang="en-US" altLang="ko-KR" sz="2400" smtClean="0"/>
+                        <a:t>L1</a:t>
+                      </a:r>
                       <a:endParaRPr lang="ko-KR" altLang="en-US" sz="2400"/>
                     </a:p>
                   </a:txBody>
@@ -4099,7 +4103,7 @@
                 </a:tc>
                 <a:extLst>
                   <a:ext uri="{0D108BD9-81ED-4DB2-BD59-A6C34878D82A}">
-                    <a16:rowId xmlns:a16="http://schemas.microsoft.com/office/drawing/2014/main" xmlns="" val="2514333617"/>
+                    <a16:rowId xmlns="" xmlns:a16="http://schemas.microsoft.com/office/drawing/2014/main" val="2514333617"/>
                   </a:ext>
                 </a:extLst>
               </a:tr>
@@ -4409,7 +4413,7 @@
   <a:extraClrSchemeLst/>
   <a:extLst>
     <a:ext uri="{05A4C25C-085E-4340-85A3-A5531E510DB2}">
-      <thm15:themeFamily xmlns:thm15="http://schemas.microsoft.com/office/thememl/2012/main" xmlns="" name="Office Theme" id="{62F939B6-93AF-4DB8-9C6B-D6C7DFDC589F}" vid="{4A3C46E8-61CC-4603-A589-7422A47A8E4A}"/>
+      <thm15:themeFamily xmlns="" xmlns:thm15="http://schemas.microsoft.com/office/thememl/2012/main" name="Office Theme" id="{62F939B6-93AF-4DB8-9C6B-D6C7DFDC589F}" vid="{4A3C46E8-61CC-4603-A589-7422A47A8E4A}"/>
     </a:ext>
   </a:extLst>
 </a:theme>
